--- a/part1/gitIntroPart1.pptx
+++ b/part1/gitIntroPart1.pptx
@@ -5,7 +5,7 @@
     <p:sldMasterId id="2147483660" r:id="rId1"/>
   </p:sldMasterIdLst>
   <p:notesMasterIdLst>
-    <p:notesMasterId r:id="rId45"/>
+    <p:notesMasterId r:id="rId46"/>
   </p:notesMasterIdLst>
   <p:sldIdLst>
     <p:sldId id="256" r:id="rId2"/>
@@ -43,14 +43,15 @@
     <p:sldId id="302" r:id="rId34"/>
     <p:sldId id="305" r:id="rId35"/>
     <p:sldId id="306" r:id="rId36"/>
-    <p:sldId id="303" r:id="rId37"/>
-    <p:sldId id="304" r:id="rId38"/>
-    <p:sldId id="307" r:id="rId39"/>
-    <p:sldId id="308" r:id="rId40"/>
-    <p:sldId id="309" r:id="rId41"/>
-    <p:sldId id="268" r:id="rId42"/>
-    <p:sldId id="269" r:id="rId43"/>
-    <p:sldId id="310" r:id="rId44"/>
+    <p:sldId id="311" r:id="rId37"/>
+    <p:sldId id="303" r:id="rId38"/>
+    <p:sldId id="304" r:id="rId39"/>
+    <p:sldId id="307" r:id="rId40"/>
+    <p:sldId id="308" r:id="rId41"/>
+    <p:sldId id="309" r:id="rId42"/>
+    <p:sldId id="268" r:id="rId43"/>
+    <p:sldId id="269" r:id="rId44"/>
+    <p:sldId id="310" r:id="rId45"/>
   </p:sldIdLst>
   <p:sldSz cx="9144000" cy="6858000" type="screen4x3"/>
   <p:notesSz cx="6858000" cy="9144000"/>
@@ -149,6 +150,11 @@
       </a:defRPr>
     </a:lvl9pPr>
   </p:defaultTextStyle>
+  <p:extLst>
+    <p:ext uri="{EFAFB233-063F-42B5-8137-9DF3F51BA10A}">
+      <p15:sldGuideLst xmlns:p15="http://schemas.microsoft.com/office/powerpoint/2012/main"/>
+    </p:ext>
+  </p:extLst>
 </p:presentation>
 </file>
 
@@ -3322,7 +3328,7 @@
         </p:blipFill>
         <p:spPr>
           <a:xfrm>
-            <a:off x="1032935" y="1864617"/>
+            <a:off x="1964266" y="1668118"/>
             <a:ext cx="2540000" cy="3124200"/>
           </a:xfrm>
           <a:prstGeom prst="rect">
@@ -3423,14 +3429,14 @@
           <a:effectLst/>
           <a:extLst>
             <a:ext uri="{909E8E84-426E-40dd-AFC4-6F175D3DCCD1}">
-              <a14:hiddenFill xmlns:a14="http://schemas.microsoft.com/office/drawing/2010/main" xmlns="">
+              <a14:hiddenFill xmlns="" xmlns:a14="http://schemas.microsoft.com/office/drawing/2010/main">
                 <a:solidFill>
                   <a:schemeClr val="accent1"/>
                 </a:solidFill>
               </a14:hiddenFill>
             </a:ext>
             <a:ext uri="{91240B29-F687-4f45-9708-019B960494DF}">
-              <a14:hiddenLine xmlns:a14="http://schemas.microsoft.com/office/drawing/2010/main" xmlns="" w="9525">
+              <a14:hiddenLine xmlns="" xmlns:a14="http://schemas.microsoft.com/office/drawing/2010/main" w="9525">
                 <a:solidFill>
                   <a:schemeClr val="tx1"/>
                 </a:solidFill>
@@ -3440,7 +3446,7 @@
               </a14:hiddenLine>
             </a:ext>
             <a:ext uri="{AF507438-7753-43e0-B8FC-AC1667EBCBE1}">
-              <a14:hiddenEffects xmlns:a14="http://schemas.microsoft.com/office/drawing/2010/main" xmlns="">
+              <a14:hiddenEffects xmlns="" xmlns:a14="http://schemas.microsoft.com/office/drawing/2010/main">
                 <a:effectLst>
                   <a:outerShdw dist="35921" dir="2700000" algn="ctr" rotWithShape="0">
                     <a:schemeClr val="bg2"/>
@@ -5136,7 +5142,6 @@
                 <a:rPr lang="en-US" sz="2000" dirty="0"/>
                 <a:t>Staged files</a:t>
               </a:r>
-              <a:endParaRPr lang="en-US" sz="2000" dirty="0"/>
             </a:p>
           </p:txBody>
         </p:sp>
@@ -5177,7 +5182,6 @@
                 <a:rPr lang="en-US" sz="2000" dirty="0"/>
                 <a:t>unmodified files</a:t>
               </a:r>
-              <a:endParaRPr lang="en-US" sz="2000" dirty="0"/>
             </a:p>
           </p:txBody>
         </p:sp>
@@ -9066,7 +9070,6 @@
               <a:rPr lang="en-US" sz="3600" i="1" dirty="0"/>
               <a:t> status</a:t>
             </a:r>
-            <a:endParaRPr lang="en-US" sz="3600" i="1" dirty="0"/>
           </a:p>
         </p:txBody>
       </p:sp>
@@ -16185,7 +16188,6 @@
               <a:rPr lang="en-US" sz="3600" dirty="0"/>
               <a:t>Preparing for a new commit...</a:t>
             </a:r>
-            <a:endParaRPr lang="en-US" sz="3600" dirty="0"/>
           </a:p>
         </p:txBody>
       </p:sp>
@@ -25982,6 +25984,1261 @@
 </file>
 
 <file path=ppt/slides/slide36.xml><?xml version="1.0" encoding="utf-8"?>
+<p:sld xmlns:a="http://schemas.openxmlformats.org/drawingml/2006/main" xmlns:r="http://schemas.openxmlformats.org/officeDocument/2006/relationships" xmlns:p="http://schemas.openxmlformats.org/presentationml/2006/main">
+  <p:cSld>
+    <p:spTree>
+      <p:nvGrpSpPr>
+        <p:cNvPr id="1" name=""/>
+        <p:cNvGrpSpPr/>
+        <p:nvPr/>
+      </p:nvGrpSpPr>
+      <p:grpSpPr>
+        <a:xfrm>
+          <a:off x="0" y="0"/>
+          <a:ext cx="0" cy="0"/>
+          <a:chOff x="0" y="0"/>
+          <a:chExt cx="0" cy="0"/>
+        </a:xfrm>
+      </p:grpSpPr>
+      <p:sp>
+        <p:nvSpPr>
+          <p:cNvPr id="27" name="TextBox 26"/>
+          <p:cNvSpPr txBox="1"/>
+          <p:nvPr/>
+        </p:nvSpPr>
+        <p:spPr>
+          <a:xfrm>
+            <a:off x="3175350" y="1875026"/>
+            <a:ext cx="5968650" cy="830997"/>
+          </a:xfrm>
+          <a:prstGeom prst="rect">
+            <a:avLst/>
+          </a:prstGeom>
+          <a:solidFill>
+            <a:schemeClr val="accent2">
+              <a:lumMod val="40000"/>
+              <a:lumOff val="60000"/>
+            </a:schemeClr>
+          </a:solidFill>
+        </p:spPr>
+        <p:txBody>
+          <a:bodyPr wrap="square" rtlCol="0">
+            <a:spAutoFit/>
+          </a:bodyPr>
+          <a:lstStyle/>
+          <a:p>
+            <a:r>
+              <a:rPr lang="en-US" sz="2400" dirty="0" smtClean="0"/>
+              <a:t>$ </a:t>
+            </a:r>
+            <a:r>
+              <a:rPr lang="en-US" sz="2400" dirty="0" err="1" smtClean="0"/>
+              <a:t>git</a:t>
+            </a:r>
+            <a:r>
+              <a:rPr lang="en-US" sz="2400" dirty="0" smtClean="0"/>
+              <a:t> </a:t>
+            </a:r>
+            <a:r>
+              <a:rPr lang="en-US" sz="2400" dirty="0" smtClean="0"/>
+              <a:t>checkout </a:t>
+            </a:r>
+            <a:r>
+              <a:rPr lang="en-US" sz="2400" dirty="0"/>
+              <a:t>-- </a:t>
+            </a:r>
+            <a:r>
+              <a:rPr lang="en-US" sz="2400" dirty="0" smtClean="0"/>
+              <a:t>chapter4.rtf</a:t>
+            </a:r>
+          </a:p>
+          <a:p>
+            <a:r>
+              <a:rPr lang="en-US" sz="2400" dirty="0" smtClean="0"/>
+              <a:t>$ </a:t>
+            </a:r>
+            <a:r>
+              <a:rPr lang="en-US" sz="2400" dirty="0" err="1" smtClean="0"/>
+              <a:t>git</a:t>
+            </a:r>
+            <a:r>
+              <a:rPr lang="en-US" sz="2400" dirty="0" smtClean="0"/>
+              <a:t> checkout </a:t>
+            </a:r>
+            <a:r>
+              <a:rPr lang="en-US" sz="2400" dirty="0" err="1" smtClean="0"/>
+              <a:t>latexBranch</a:t>
+            </a:r>
+            <a:endParaRPr lang="en-US" sz="2000" dirty="0">
+              <a:solidFill>
+                <a:srgbClr val="FFFF00"/>
+              </a:solidFill>
+            </a:endParaRPr>
+          </a:p>
+        </p:txBody>
+      </p:sp>
+      <p:sp>
+        <p:nvSpPr>
+          <p:cNvPr id="4" name="TextBox 3"/>
+          <p:cNvSpPr txBox="1"/>
+          <p:nvPr/>
+        </p:nvSpPr>
+        <p:spPr>
+          <a:xfrm>
+            <a:off x="884118" y="709175"/>
+            <a:ext cx="7912410" cy="646331"/>
+          </a:xfrm>
+          <a:prstGeom prst="rect">
+            <a:avLst/>
+          </a:prstGeom>
+          <a:noFill/>
+        </p:spPr>
+        <p:txBody>
+          <a:bodyPr wrap="square" rtlCol="0">
+            <a:spAutoFit/>
+          </a:bodyPr>
+          <a:lstStyle/>
+          <a:p>
+            <a:r>
+              <a:rPr lang="en-US" sz="3600" dirty="0" smtClean="0"/>
+              <a:t>Undoing changes: </a:t>
+            </a:r>
+            <a:r>
+              <a:rPr lang="en-US" sz="3600" i="1" dirty="0" err="1" smtClean="0"/>
+              <a:t>git</a:t>
+            </a:r>
+            <a:r>
+              <a:rPr lang="en-US" sz="3600" i="1" dirty="0" smtClean="0"/>
+              <a:t> checkout</a:t>
+            </a:r>
+            <a:endParaRPr lang="en-US" sz="3600" dirty="0"/>
+          </a:p>
+        </p:txBody>
+      </p:sp>
+      <p:sp>
+        <p:nvSpPr>
+          <p:cNvPr id="21" name="Oval 20"/>
+          <p:cNvSpPr/>
+          <p:nvPr/>
+        </p:nvSpPr>
+        <p:spPr>
+          <a:xfrm>
+            <a:off x="78586" y="4147765"/>
+            <a:ext cx="859263" cy="737713"/>
+          </a:xfrm>
+          <a:prstGeom prst="ellipse">
+            <a:avLst/>
+          </a:prstGeom>
+          <a:solidFill>
+            <a:schemeClr val="accent1">
+              <a:lumMod val="40000"/>
+              <a:lumOff val="60000"/>
+            </a:schemeClr>
+          </a:solidFill>
+          <a:ln>
+            <a:noFill/>
+          </a:ln>
+        </p:spPr>
+        <p:style>
+          <a:lnRef idx="2">
+            <a:schemeClr val="accent1">
+              <a:shade val="50000"/>
+            </a:schemeClr>
+          </a:lnRef>
+          <a:fillRef idx="1">
+            <a:schemeClr val="accent1"/>
+          </a:fillRef>
+          <a:effectRef idx="0">
+            <a:schemeClr val="accent1"/>
+          </a:effectRef>
+          <a:fontRef idx="minor">
+            <a:schemeClr val="lt1"/>
+          </a:fontRef>
+        </p:style>
+        <p:txBody>
+          <a:bodyPr rtlCol="0" anchor="ctr"/>
+          <a:lstStyle/>
+          <a:p>
+            <a:pPr algn="ctr"/>
+            <a:r>
+              <a:rPr lang="en-US" sz="3200" b="1" dirty="0" smtClean="0">
+                <a:solidFill>
+                  <a:srgbClr val="FF0000"/>
+                </a:solidFill>
+              </a:rPr>
+              <a:t>C0</a:t>
+            </a:r>
+            <a:endParaRPr lang="en-US" sz="3200" b="1" dirty="0">
+              <a:solidFill>
+                <a:srgbClr val="FF0000"/>
+              </a:solidFill>
+            </a:endParaRPr>
+          </a:p>
+        </p:txBody>
+      </p:sp>
+      <p:cxnSp>
+        <p:nvCxnSpPr>
+          <p:cNvPr id="23" name="Straight Arrow Connector 22"/>
+          <p:cNvCxnSpPr>
+            <a:stCxn id="24" idx="2"/>
+            <a:endCxn id="43" idx="0"/>
+          </p:cNvCxnSpPr>
+          <p:nvPr/>
+        </p:nvCxnSpPr>
+        <p:spPr>
+          <a:xfrm flipH="1">
+            <a:off x="3380390" y="3717542"/>
+            <a:ext cx="10813" cy="423062"/>
+          </a:xfrm>
+          <a:prstGeom prst="straightConnector1">
+            <a:avLst/>
+          </a:prstGeom>
+          <a:ln w="76200">
+            <a:solidFill>
+              <a:schemeClr val="tx1"/>
+            </a:solidFill>
+            <a:tailEnd type="triangle"/>
+          </a:ln>
+        </p:spPr>
+        <p:style>
+          <a:lnRef idx="1">
+            <a:schemeClr val="accent1"/>
+          </a:lnRef>
+          <a:fillRef idx="0">
+            <a:schemeClr val="accent1"/>
+          </a:fillRef>
+          <a:effectRef idx="0">
+            <a:schemeClr val="accent1"/>
+          </a:effectRef>
+          <a:fontRef idx="minor">
+            <a:schemeClr val="tx1"/>
+          </a:fontRef>
+        </p:style>
+      </p:cxnSp>
+      <p:sp>
+        <p:nvSpPr>
+          <p:cNvPr id="24" name="Rounded Rectangle 23"/>
+          <p:cNvSpPr/>
+          <p:nvPr/>
+        </p:nvSpPr>
+        <p:spPr>
+          <a:xfrm>
+            <a:off x="2569047" y="3022598"/>
+            <a:ext cx="1644312" cy="694944"/>
+          </a:xfrm>
+          <a:prstGeom prst="roundRect">
+            <a:avLst/>
+          </a:prstGeom>
+          <a:solidFill>
+            <a:schemeClr val="accent6">
+              <a:lumMod val="60000"/>
+              <a:lumOff val="40000"/>
+            </a:schemeClr>
+          </a:solidFill>
+          <a:ln>
+            <a:noFill/>
+          </a:ln>
+        </p:spPr>
+        <p:style>
+          <a:lnRef idx="2">
+            <a:schemeClr val="accent1">
+              <a:shade val="50000"/>
+            </a:schemeClr>
+          </a:lnRef>
+          <a:fillRef idx="1">
+            <a:schemeClr val="accent1"/>
+          </a:fillRef>
+          <a:effectRef idx="0">
+            <a:schemeClr val="accent1"/>
+          </a:effectRef>
+          <a:fontRef idx="minor">
+            <a:schemeClr val="lt1"/>
+          </a:fontRef>
+        </p:style>
+        <p:txBody>
+          <a:bodyPr rtlCol="0" anchor="ctr"/>
+          <a:lstStyle/>
+          <a:p>
+            <a:pPr algn="ctr"/>
+            <a:r>
+              <a:rPr lang="en-US" sz="2000" dirty="0" smtClean="0">
+                <a:solidFill>
+                  <a:schemeClr val="tx1"/>
+                </a:solidFill>
+              </a:rPr>
+              <a:t>master</a:t>
+            </a:r>
+            <a:endParaRPr lang="en-US" dirty="0">
+              <a:solidFill>
+                <a:schemeClr val="tx1"/>
+              </a:solidFill>
+            </a:endParaRPr>
+          </a:p>
+        </p:txBody>
+      </p:sp>
+      <p:sp>
+        <p:nvSpPr>
+          <p:cNvPr id="28" name="Rounded Rectangle 27"/>
+          <p:cNvSpPr/>
+          <p:nvPr/>
+        </p:nvSpPr>
+        <p:spPr>
+          <a:xfrm>
+            <a:off x="5016116" y="4757462"/>
+            <a:ext cx="1146777" cy="694944"/>
+          </a:xfrm>
+          <a:prstGeom prst="roundRect">
+            <a:avLst/>
+          </a:prstGeom>
+          <a:solidFill>
+            <a:schemeClr val="bg1">
+              <a:lumMod val="75000"/>
+            </a:schemeClr>
+          </a:solidFill>
+          <a:ln>
+            <a:noFill/>
+          </a:ln>
+        </p:spPr>
+        <p:style>
+          <a:lnRef idx="2">
+            <a:schemeClr val="accent1">
+              <a:shade val="50000"/>
+            </a:schemeClr>
+          </a:lnRef>
+          <a:fillRef idx="1">
+            <a:schemeClr val="accent1"/>
+          </a:fillRef>
+          <a:effectRef idx="0">
+            <a:schemeClr val="accent1"/>
+          </a:effectRef>
+          <a:fontRef idx="minor">
+            <a:schemeClr val="lt1"/>
+          </a:fontRef>
+        </p:style>
+        <p:txBody>
+          <a:bodyPr rtlCol="0" anchor="ctr"/>
+          <a:lstStyle/>
+          <a:p>
+            <a:pPr algn="ctr"/>
+            <a:r>
+              <a:rPr lang="en-US" sz="2000" smtClean="0">
+                <a:solidFill>
+                  <a:schemeClr val="tx1"/>
+                </a:solidFill>
+              </a:rPr>
+              <a:t>HEAD </a:t>
+            </a:r>
+            <a:endParaRPr lang="en-US" sz="2000" dirty="0" smtClean="0">
+              <a:solidFill>
+                <a:schemeClr val="tx1"/>
+              </a:solidFill>
+            </a:endParaRPr>
+          </a:p>
+        </p:txBody>
+      </p:sp>
+      <p:sp>
+        <p:nvSpPr>
+          <p:cNvPr id="29" name="Rounded Rectangle 28"/>
+          <p:cNvSpPr/>
+          <p:nvPr/>
+        </p:nvSpPr>
+        <p:spPr>
+          <a:xfrm>
+            <a:off x="6266457" y="4757462"/>
+            <a:ext cx="1137027" cy="694944"/>
+          </a:xfrm>
+          <a:prstGeom prst="roundRect">
+            <a:avLst/>
+          </a:prstGeom>
+          <a:solidFill>
+            <a:srgbClr val="20F0FC"/>
+          </a:solidFill>
+          <a:ln>
+            <a:noFill/>
+          </a:ln>
+        </p:spPr>
+        <p:style>
+          <a:lnRef idx="2">
+            <a:schemeClr val="accent1">
+              <a:shade val="50000"/>
+            </a:schemeClr>
+          </a:lnRef>
+          <a:fillRef idx="1">
+            <a:schemeClr val="accent1"/>
+          </a:fillRef>
+          <a:effectRef idx="0">
+            <a:schemeClr val="accent1"/>
+          </a:effectRef>
+          <a:fontRef idx="minor">
+            <a:schemeClr val="lt1"/>
+          </a:fontRef>
+        </p:style>
+        <p:txBody>
+          <a:bodyPr rtlCol="0" anchor="ctr"/>
+          <a:lstStyle/>
+          <a:p>
+            <a:pPr algn="ctr"/>
+            <a:r>
+              <a:rPr lang="en-US" sz="2000" dirty="0" smtClean="0">
+                <a:solidFill>
+                  <a:schemeClr val="tx1"/>
+                </a:solidFill>
+              </a:rPr>
+              <a:t>Index</a:t>
+            </a:r>
+            <a:endParaRPr lang="en-US" dirty="0">
+              <a:solidFill>
+                <a:schemeClr val="tx1"/>
+              </a:solidFill>
+            </a:endParaRPr>
+          </a:p>
+        </p:txBody>
+      </p:sp>
+      <p:sp>
+        <p:nvSpPr>
+          <p:cNvPr id="30" name="Rounded Rectangle 29"/>
+          <p:cNvSpPr/>
+          <p:nvPr/>
+        </p:nvSpPr>
+        <p:spPr>
+          <a:xfrm>
+            <a:off x="7585201" y="4757462"/>
+            <a:ext cx="1187737" cy="694944"/>
+          </a:xfrm>
+          <a:prstGeom prst="roundRect">
+            <a:avLst/>
+          </a:prstGeom>
+          <a:solidFill>
+            <a:schemeClr val="accent4">
+              <a:lumMod val="60000"/>
+              <a:lumOff val="40000"/>
+            </a:schemeClr>
+          </a:solidFill>
+          <a:ln>
+            <a:noFill/>
+          </a:ln>
+        </p:spPr>
+        <p:style>
+          <a:lnRef idx="2">
+            <a:schemeClr val="accent1">
+              <a:shade val="50000"/>
+            </a:schemeClr>
+          </a:lnRef>
+          <a:fillRef idx="1">
+            <a:schemeClr val="accent1"/>
+          </a:fillRef>
+          <a:effectRef idx="0">
+            <a:schemeClr val="accent1"/>
+          </a:effectRef>
+          <a:fontRef idx="minor">
+            <a:schemeClr val="lt1"/>
+          </a:fontRef>
+        </p:style>
+        <p:txBody>
+          <a:bodyPr rtlCol="0" anchor="ctr"/>
+          <a:lstStyle/>
+          <a:p>
+            <a:pPr algn="ctr"/>
+            <a:r>
+              <a:rPr lang="en-US" sz="2000" dirty="0" smtClean="0">
+                <a:solidFill>
+                  <a:schemeClr val="tx1"/>
+                </a:solidFill>
+              </a:rPr>
+              <a:t>Working </a:t>
+            </a:r>
+            <a:r>
+              <a:rPr lang="en-US" sz="1950" dirty="0" smtClean="0">
+                <a:solidFill>
+                  <a:schemeClr val="tx1"/>
+                </a:solidFill>
+              </a:rPr>
+              <a:t>Directory</a:t>
+            </a:r>
+            <a:endParaRPr lang="en-US" sz="1950" dirty="0">
+              <a:solidFill>
+                <a:schemeClr val="tx1"/>
+              </a:solidFill>
+            </a:endParaRPr>
+          </a:p>
+        </p:txBody>
+      </p:sp>
+      <p:cxnSp>
+        <p:nvCxnSpPr>
+          <p:cNvPr id="35" name="Straight Arrow Connector 34"/>
+          <p:cNvCxnSpPr/>
+          <p:nvPr/>
+        </p:nvCxnSpPr>
+        <p:spPr>
+          <a:xfrm flipH="1">
+            <a:off x="937848" y="4516622"/>
+            <a:ext cx="392525" cy="0"/>
+          </a:xfrm>
+          <a:prstGeom prst="straightConnector1">
+            <a:avLst/>
+          </a:prstGeom>
+          <a:ln w="76200">
+            <a:solidFill>
+              <a:schemeClr val="tx1"/>
+            </a:solidFill>
+            <a:tailEnd type="triangle"/>
+          </a:ln>
+        </p:spPr>
+        <p:style>
+          <a:lnRef idx="1">
+            <a:schemeClr val="accent1"/>
+          </a:lnRef>
+          <a:fillRef idx="0">
+            <a:schemeClr val="accent1"/>
+          </a:fillRef>
+          <a:effectRef idx="0">
+            <a:schemeClr val="accent1"/>
+          </a:effectRef>
+          <a:fontRef idx="minor">
+            <a:schemeClr val="tx1"/>
+          </a:fontRef>
+        </p:style>
+      </p:cxnSp>
+      <p:cxnSp>
+        <p:nvCxnSpPr>
+          <p:cNvPr id="36" name="Straight Arrow Connector 35"/>
+          <p:cNvCxnSpPr>
+            <a:stCxn id="37" idx="0"/>
+          </p:cNvCxnSpPr>
+          <p:nvPr/>
+        </p:nvCxnSpPr>
+        <p:spPr>
+          <a:xfrm flipV="1">
+            <a:off x="3878160" y="5764777"/>
+            <a:ext cx="1" cy="316575"/>
+          </a:xfrm>
+          <a:prstGeom prst="straightConnector1">
+            <a:avLst/>
+          </a:prstGeom>
+          <a:ln w="76200">
+            <a:solidFill>
+              <a:schemeClr val="tx1"/>
+            </a:solidFill>
+            <a:tailEnd type="triangle"/>
+          </a:ln>
+        </p:spPr>
+        <p:style>
+          <a:lnRef idx="1">
+            <a:schemeClr val="accent1"/>
+          </a:lnRef>
+          <a:fillRef idx="0">
+            <a:schemeClr val="accent1"/>
+          </a:fillRef>
+          <a:effectRef idx="0">
+            <a:schemeClr val="accent1"/>
+          </a:effectRef>
+          <a:fontRef idx="minor">
+            <a:schemeClr val="tx1"/>
+          </a:fontRef>
+        </p:style>
+      </p:cxnSp>
+      <p:sp>
+        <p:nvSpPr>
+          <p:cNvPr id="37" name="Rounded Rectangle 36"/>
+          <p:cNvSpPr/>
+          <p:nvPr/>
+        </p:nvSpPr>
+        <p:spPr>
+          <a:xfrm>
+            <a:off x="3056004" y="6081352"/>
+            <a:ext cx="1644312" cy="694944"/>
+          </a:xfrm>
+          <a:prstGeom prst="roundRect">
+            <a:avLst/>
+          </a:prstGeom>
+          <a:solidFill>
+            <a:schemeClr val="accent6">
+              <a:lumMod val="60000"/>
+              <a:lumOff val="40000"/>
+            </a:schemeClr>
+          </a:solidFill>
+          <a:ln>
+            <a:noFill/>
+          </a:ln>
+        </p:spPr>
+        <p:style>
+          <a:lnRef idx="2">
+            <a:schemeClr val="accent1">
+              <a:shade val="50000"/>
+            </a:schemeClr>
+          </a:lnRef>
+          <a:fillRef idx="1">
+            <a:schemeClr val="accent1"/>
+          </a:fillRef>
+          <a:effectRef idx="0">
+            <a:schemeClr val="accent1"/>
+          </a:effectRef>
+          <a:fontRef idx="minor">
+            <a:schemeClr val="lt1"/>
+          </a:fontRef>
+        </p:style>
+        <p:txBody>
+          <a:bodyPr rtlCol="0" anchor="ctr"/>
+          <a:lstStyle/>
+          <a:p>
+            <a:pPr algn="ctr"/>
+            <a:r>
+              <a:rPr lang="en-US" sz="2000" dirty="0" err="1">
+                <a:solidFill>
+                  <a:schemeClr val="tx1"/>
+                </a:solidFill>
+              </a:rPr>
+              <a:t>latexBranch</a:t>
+            </a:r>
+            <a:endParaRPr lang="en-US" dirty="0">
+              <a:solidFill>
+                <a:schemeClr val="tx1"/>
+              </a:solidFill>
+            </a:endParaRPr>
+          </a:p>
+        </p:txBody>
+      </p:sp>
+      <p:cxnSp>
+        <p:nvCxnSpPr>
+          <p:cNvPr id="38" name="Straight Arrow Connector 37"/>
+          <p:cNvCxnSpPr>
+            <a:stCxn id="39" idx="3"/>
+            <a:endCxn id="37" idx="1"/>
+          </p:cNvCxnSpPr>
+          <p:nvPr/>
+        </p:nvCxnSpPr>
+        <p:spPr>
+          <a:xfrm>
+            <a:off x="2267196" y="6428824"/>
+            <a:ext cx="788808" cy="0"/>
+          </a:xfrm>
+          <a:prstGeom prst="straightConnector1">
+            <a:avLst/>
+          </a:prstGeom>
+          <a:ln w="76200">
+            <a:solidFill>
+              <a:schemeClr val="tx1"/>
+            </a:solidFill>
+            <a:tailEnd type="triangle"/>
+          </a:ln>
+        </p:spPr>
+        <p:style>
+          <a:lnRef idx="1">
+            <a:schemeClr val="accent1"/>
+          </a:lnRef>
+          <a:fillRef idx="0">
+            <a:schemeClr val="accent1"/>
+          </a:fillRef>
+          <a:effectRef idx="0">
+            <a:schemeClr val="accent1"/>
+          </a:effectRef>
+          <a:fontRef idx="minor">
+            <a:schemeClr val="tx1"/>
+          </a:fontRef>
+        </p:style>
+      </p:cxnSp>
+      <p:sp>
+        <p:nvSpPr>
+          <p:cNvPr id="39" name="Rounded Rectangle 38"/>
+          <p:cNvSpPr/>
+          <p:nvPr/>
+        </p:nvSpPr>
+        <p:spPr>
+          <a:xfrm>
+            <a:off x="622884" y="6081352"/>
+            <a:ext cx="1644312" cy="694944"/>
+          </a:xfrm>
+          <a:prstGeom prst="roundRect">
+            <a:avLst/>
+          </a:prstGeom>
+          <a:solidFill>
+            <a:schemeClr val="bg1">
+              <a:lumMod val="75000"/>
+            </a:schemeClr>
+          </a:solidFill>
+          <a:ln>
+            <a:noFill/>
+          </a:ln>
+        </p:spPr>
+        <p:style>
+          <a:lnRef idx="2">
+            <a:schemeClr val="accent1">
+              <a:shade val="50000"/>
+            </a:schemeClr>
+          </a:lnRef>
+          <a:fillRef idx="1">
+            <a:schemeClr val="accent1"/>
+          </a:fillRef>
+          <a:effectRef idx="0">
+            <a:schemeClr val="accent1"/>
+          </a:effectRef>
+          <a:fontRef idx="minor">
+            <a:schemeClr val="lt1"/>
+          </a:fontRef>
+        </p:style>
+        <p:txBody>
+          <a:bodyPr rtlCol="0" anchor="ctr"/>
+          <a:lstStyle/>
+          <a:p>
+            <a:pPr algn="ctr"/>
+            <a:r>
+              <a:rPr lang="en-US" sz="2000" dirty="0" smtClean="0">
+                <a:solidFill>
+                  <a:schemeClr val="tx1"/>
+                </a:solidFill>
+              </a:rPr>
+              <a:t>HEAD</a:t>
+            </a:r>
+            <a:endParaRPr lang="en-US" dirty="0">
+              <a:solidFill>
+                <a:schemeClr val="tx1"/>
+              </a:solidFill>
+            </a:endParaRPr>
+          </a:p>
+        </p:txBody>
+      </p:sp>
+      <p:cxnSp>
+        <p:nvCxnSpPr>
+          <p:cNvPr id="22" name="Straight Arrow Connector 21"/>
+          <p:cNvCxnSpPr>
+            <a:stCxn id="41" idx="1"/>
+            <a:endCxn id="40" idx="5"/>
+          </p:cNvCxnSpPr>
+          <p:nvPr/>
+        </p:nvCxnSpPr>
+        <p:spPr>
+          <a:xfrm flipH="1" flipV="1">
+            <a:off x="2100376" y="4777442"/>
+            <a:ext cx="164876" cy="343112"/>
+          </a:xfrm>
+          <a:prstGeom prst="straightConnector1">
+            <a:avLst/>
+          </a:prstGeom>
+          <a:ln w="76200">
+            <a:solidFill>
+              <a:schemeClr val="tx1"/>
+            </a:solidFill>
+            <a:tailEnd type="triangle"/>
+          </a:ln>
+        </p:spPr>
+        <p:style>
+          <a:lnRef idx="1">
+            <a:schemeClr val="accent1"/>
+          </a:lnRef>
+          <a:fillRef idx="0">
+            <a:schemeClr val="accent1"/>
+          </a:fillRef>
+          <a:effectRef idx="0">
+            <a:schemeClr val="accent1"/>
+          </a:effectRef>
+          <a:fontRef idx="minor">
+            <a:schemeClr val="tx1"/>
+          </a:fontRef>
+        </p:style>
+      </p:cxnSp>
+      <p:sp>
+        <p:nvSpPr>
+          <p:cNvPr id="25" name="Oval 24"/>
+          <p:cNvSpPr/>
+          <p:nvPr/>
+        </p:nvSpPr>
+        <p:spPr>
+          <a:xfrm>
+            <a:off x="3448529" y="5027043"/>
+            <a:ext cx="859263" cy="737713"/>
+          </a:xfrm>
+          <a:prstGeom prst="ellipse">
+            <a:avLst/>
+          </a:prstGeom>
+          <a:solidFill>
+            <a:schemeClr val="accent1">
+              <a:lumMod val="40000"/>
+              <a:lumOff val="60000"/>
+            </a:schemeClr>
+          </a:solidFill>
+          <a:ln>
+            <a:noFill/>
+          </a:ln>
+        </p:spPr>
+        <p:style>
+          <a:lnRef idx="2">
+            <a:schemeClr val="accent1">
+              <a:shade val="50000"/>
+            </a:schemeClr>
+          </a:lnRef>
+          <a:fillRef idx="1">
+            <a:schemeClr val="accent1"/>
+          </a:fillRef>
+          <a:effectRef idx="0">
+            <a:schemeClr val="accent1"/>
+          </a:effectRef>
+          <a:fontRef idx="minor">
+            <a:schemeClr val="lt1"/>
+          </a:fontRef>
+        </p:style>
+        <p:txBody>
+          <a:bodyPr rtlCol="0" anchor="ctr"/>
+          <a:lstStyle/>
+          <a:p>
+            <a:pPr algn="ctr"/>
+            <a:r>
+              <a:rPr lang="en-US" sz="3200" b="1" dirty="0" smtClean="0">
+                <a:solidFill>
+                  <a:srgbClr val="FF0000"/>
+                </a:solidFill>
+              </a:rPr>
+              <a:t>C3</a:t>
+            </a:r>
+            <a:endParaRPr lang="en-US" sz="3200" b="1" dirty="0">
+              <a:solidFill>
+                <a:srgbClr val="FF0000"/>
+              </a:solidFill>
+            </a:endParaRPr>
+          </a:p>
+        </p:txBody>
+      </p:sp>
+      <p:cxnSp>
+        <p:nvCxnSpPr>
+          <p:cNvPr id="26" name="Straight Arrow Connector 25"/>
+          <p:cNvCxnSpPr>
+            <a:stCxn id="25" idx="2"/>
+            <a:endCxn id="41" idx="6"/>
+          </p:cNvCxnSpPr>
+          <p:nvPr/>
+        </p:nvCxnSpPr>
+        <p:spPr>
+          <a:xfrm flipH="1" flipV="1">
+            <a:off x="2998679" y="5381375"/>
+            <a:ext cx="449850" cy="14525"/>
+          </a:xfrm>
+          <a:prstGeom prst="straightConnector1">
+            <a:avLst/>
+          </a:prstGeom>
+          <a:ln w="76200">
+            <a:solidFill>
+              <a:schemeClr val="tx1"/>
+            </a:solidFill>
+            <a:tailEnd type="triangle"/>
+          </a:ln>
+        </p:spPr>
+        <p:style>
+          <a:lnRef idx="1">
+            <a:schemeClr val="accent1"/>
+          </a:lnRef>
+          <a:fillRef idx="0">
+            <a:schemeClr val="accent1"/>
+          </a:fillRef>
+          <a:effectRef idx="0">
+            <a:schemeClr val="accent1"/>
+          </a:effectRef>
+          <a:fontRef idx="minor">
+            <a:schemeClr val="tx1"/>
+          </a:fontRef>
+        </p:style>
+      </p:cxnSp>
+      <p:sp>
+        <p:nvSpPr>
+          <p:cNvPr id="40" name="Oval 39"/>
+          <p:cNvSpPr/>
+          <p:nvPr/>
+        </p:nvSpPr>
+        <p:spPr>
+          <a:xfrm>
+            <a:off x="1366949" y="4147765"/>
+            <a:ext cx="859263" cy="737713"/>
+          </a:xfrm>
+          <a:prstGeom prst="ellipse">
+            <a:avLst/>
+          </a:prstGeom>
+          <a:solidFill>
+            <a:schemeClr val="accent1">
+              <a:lumMod val="40000"/>
+              <a:lumOff val="60000"/>
+            </a:schemeClr>
+          </a:solidFill>
+          <a:ln>
+            <a:noFill/>
+          </a:ln>
+        </p:spPr>
+        <p:style>
+          <a:lnRef idx="2">
+            <a:schemeClr val="accent1">
+              <a:shade val="50000"/>
+            </a:schemeClr>
+          </a:lnRef>
+          <a:fillRef idx="1">
+            <a:schemeClr val="accent1"/>
+          </a:fillRef>
+          <a:effectRef idx="0">
+            <a:schemeClr val="accent1"/>
+          </a:effectRef>
+          <a:fontRef idx="minor">
+            <a:schemeClr val="lt1"/>
+          </a:fontRef>
+        </p:style>
+        <p:txBody>
+          <a:bodyPr rtlCol="0" anchor="ctr"/>
+          <a:lstStyle/>
+          <a:p>
+            <a:pPr algn="ctr"/>
+            <a:r>
+              <a:rPr lang="en-US" sz="3200" b="1" dirty="0" smtClean="0">
+                <a:solidFill>
+                  <a:srgbClr val="FF0000"/>
+                </a:solidFill>
+              </a:rPr>
+              <a:t>C1</a:t>
+            </a:r>
+            <a:endParaRPr lang="en-US" sz="3200" b="1" dirty="0">
+              <a:solidFill>
+                <a:srgbClr val="FF0000"/>
+              </a:solidFill>
+            </a:endParaRPr>
+          </a:p>
+        </p:txBody>
+      </p:sp>
+      <p:sp>
+        <p:nvSpPr>
+          <p:cNvPr id="41" name="Oval 40"/>
+          <p:cNvSpPr/>
+          <p:nvPr/>
+        </p:nvSpPr>
+        <p:spPr>
+          <a:xfrm>
+            <a:off x="2139416" y="5012518"/>
+            <a:ext cx="859263" cy="737713"/>
+          </a:xfrm>
+          <a:prstGeom prst="ellipse">
+            <a:avLst/>
+          </a:prstGeom>
+          <a:solidFill>
+            <a:schemeClr val="accent1">
+              <a:lumMod val="40000"/>
+              <a:lumOff val="60000"/>
+            </a:schemeClr>
+          </a:solidFill>
+          <a:ln>
+            <a:noFill/>
+          </a:ln>
+        </p:spPr>
+        <p:style>
+          <a:lnRef idx="2">
+            <a:schemeClr val="accent1">
+              <a:shade val="50000"/>
+            </a:schemeClr>
+          </a:lnRef>
+          <a:fillRef idx="1">
+            <a:schemeClr val="accent1"/>
+          </a:fillRef>
+          <a:effectRef idx="0">
+            <a:schemeClr val="accent1"/>
+          </a:effectRef>
+          <a:fontRef idx="minor">
+            <a:schemeClr val="lt1"/>
+          </a:fontRef>
+        </p:style>
+        <p:txBody>
+          <a:bodyPr rtlCol="0" anchor="ctr"/>
+          <a:lstStyle/>
+          <a:p>
+            <a:pPr algn="ctr"/>
+            <a:r>
+              <a:rPr lang="en-US" sz="3200" b="1" dirty="0" smtClean="0">
+                <a:solidFill>
+                  <a:srgbClr val="FF0000"/>
+                </a:solidFill>
+              </a:rPr>
+              <a:t>C2</a:t>
+            </a:r>
+            <a:endParaRPr lang="en-US" sz="3200" b="1" dirty="0">
+              <a:solidFill>
+                <a:srgbClr val="FF0000"/>
+              </a:solidFill>
+            </a:endParaRPr>
+          </a:p>
+        </p:txBody>
+      </p:sp>
+      <p:sp>
+        <p:nvSpPr>
+          <p:cNvPr id="43" name="Oval 42"/>
+          <p:cNvSpPr/>
+          <p:nvPr/>
+        </p:nvSpPr>
+        <p:spPr>
+          <a:xfrm>
+            <a:off x="2950758" y="4140604"/>
+            <a:ext cx="859263" cy="737713"/>
+          </a:xfrm>
+          <a:prstGeom prst="ellipse">
+            <a:avLst/>
+          </a:prstGeom>
+          <a:solidFill>
+            <a:schemeClr val="accent1">
+              <a:lumMod val="40000"/>
+              <a:lumOff val="60000"/>
+            </a:schemeClr>
+          </a:solidFill>
+          <a:ln>
+            <a:noFill/>
+          </a:ln>
+        </p:spPr>
+        <p:style>
+          <a:lnRef idx="2">
+            <a:schemeClr val="accent1">
+              <a:shade val="50000"/>
+            </a:schemeClr>
+          </a:lnRef>
+          <a:fillRef idx="1">
+            <a:schemeClr val="accent1"/>
+          </a:fillRef>
+          <a:effectRef idx="0">
+            <a:schemeClr val="accent1"/>
+          </a:effectRef>
+          <a:fontRef idx="minor">
+            <a:schemeClr val="lt1"/>
+          </a:fontRef>
+        </p:style>
+        <p:txBody>
+          <a:bodyPr rtlCol="0" anchor="ctr"/>
+          <a:lstStyle/>
+          <a:p>
+            <a:pPr algn="ctr"/>
+            <a:r>
+              <a:rPr lang="en-US" sz="3200" b="1" dirty="0" smtClean="0">
+                <a:solidFill>
+                  <a:srgbClr val="FF0000"/>
+                </a:solidFill>
+              </a:rPr>
+              <a:t>C4</a:t>
+            </a:r>
+            <a:endParaRPr lang="en-US" sz="3200" b="1" dirty="0">
+              <a:solidFill>
+                <a:srgbClr val="FF0000"/>
+              </a:solidFill>
+            </a:endParaRPr>
+          </a:p>
+        </p:txBody>
+      </p:sp>
+      <p:cxnSp>
+        <p:nvCxnSpPr>
+          <p:cNvPr id="44" name="Straight Arrow Connector 43"/>
+          <p:cNvCxnSpPr>
+            <a:stCxn id="43" idx="2"/>
+          </p:cNvCxnSpPr>
+          <p:nvPr/>
+        </p:nvCxnSpPr>
+        <p:spPr>
+          <a:xfrm flipH="1">
+            <a:off x="2246089" y="4509461"/>
+            <a:ext cx="704669" cy="2139"/>
+          </a:xfrm>
+          <a:prstGeom prst="straightConnector1">
+            <a:avLst/>
+          </a:prstGeom>
+          <a:ln w="76200">
+            <a:solidFill>
+              <a:schemeClr val="tx1"/>
+            </a:solidFill>
+            <a:tailEnd type="triangle"/>
+          </a:ln>
+        </p:spPr>
+        <p:style>
+          <a:lnRef idx="1">
+            <a:schemeClr val="accent1"/>
+          </a:lnRef>
+          <a:fillRef idx="0">
+            <a:schemeClr val="accent1"/>
+          </a:fillRef>
+          <a:effectRef idx="0">
+            <a:schemeClr val="accent1"/>
+          </a:effectRef>
+          <a:fontRef idx="minor">
+            <a:schemeClr val="tx1"/>
+          </a:fontRef>
+        </p:style>
+      </p:cxnSp>
+      <p:sp>
+        <p:nvSpPr>
+          <p:cNvPr id="34" name="Rectangle 33"/>
+          <p:cNvSpPr/>
+          <p:nvPr/>
+        </p:nvSpPr>
+        <p:spPr>
+          <a:xfrm>
+            <a:off x="807221" y="1354729"/>
+            <a:ext cx="7123801" cy="769441"/>
+          </a:xfrm>
+          <a:prstGeom prst="rect">
+            <a:avLst/>
+          </a:prstGeom>
+        </p:spPr>
+        <p:txBody>
+          <a:bodyPr wrap="square">
+            <a:spAutoFit/>
+          </a:bodyPr>
+          <a:lstStyle/>
+          <a:p>
+            <a:r>
+              <a:rPr lang="en-US" sz="2200" dirty="0" smtClean="0"/>
+              <a:t>That edit wasn’t so edifying.... let’s undo it and switch back to the </a:t>
+            </a:r>
+            <a:r>
+              <a:rPr lang="en-US" sz="2200" dirty="0" err="1" smtClean="0"/>
+              <a:t>latexBranch</a:t>
+            </a:r>
+            <a:endParaRPr lang="en-US" sz="2200" i="1" dirty="0"/>
+          </a:p>
+        </p:txBody>
+      </p:sp>
+      <p:sp>
+        <p:nvSpPr>
+          <p:cNvPr id="3" name="Rectangle 2"/>
+          <p:cNvSpPr/>
+          <p:nvPr/>
+        </p:nvSpPr>
+        <p:spPr>
+          <a:xfrm>
+            <a:off x="4846620" y="4571486"/>
+            <a:ext cx="4589988" cy="2505970"/>
+          </a:xfrm>
+          <a:prstGeom prst="rect">
+            <a:avLst/>
+          </a:prstGeom>
+          <a:noFill/>
+        </p:spPr>
+        <p:style>
+          <a:lnRef idx="2">
+            <a:schemeClr val="accent1">
+              <a:shade val="50000"/>
+            </a:schemeClr>
+          </a:lnRef>
+          <a:fillRef idx="1">
+            <a:schemeClr val="accent1"/>
+          </a:fillRef>
+          <a:effectRef idx="0">
+            <a:schemeClr val="accent1"/>
+          </a:effectRef>
+          <a:fontRef idx="minor">
+            <a:schemeClr val="lt1"/>
+          </a:fontRef>
+        </p:style>
+        <p:txBody>
+          <a:bodyPr rtlCol="0" anchor="ctr"/>
+          <a:lstStyle/>
+          <a:p>
+            <a:pPr algn="ctr"/>
+            <a:endParaRPr lang="en-US"/>
+          </a:p>
+        </p:txBody>
+      </p:sp>
+      <p:sp>
+        <p:nvSpPr>
+          <p:cNvPr id="46" name="Rectangle 45"/>
+          <p:cNvSpPr/>
+          <p:nvPr/>
+        </p:nvSpPr>
+        <p:spPr>
+          <a:xfrm>
+            <a:off x="4997675" y="5621774"/>
+            <a:ext cx="1230337" cy="338554"/>
+          </a:xfrm>
+          <a:prstGeom prst="rect">
+            <a:avLst/>
+          </a:prstGeom>
+        </p:spPr>
+        <p:txBody>
+          <a:bodyPr wrap="none">
+            <a:spAutoFit/>
+          </a:bodyPr>
+          <a:lstStyle/>
+          <a:p>
+            <a:r>
+              <a:rPr lang="en-US" sz="1600" dirty="0" smtClean="0"/>
+              <a:t>chapter1.tex</a:t>
+            </a:r>
+            <a:endParaRPr lang="en-US" sz="1600" dirty="0"/>
+          </a:p>
+        </p:txBody>
+      </p:sp>
+      <p:sp>
+        <p:nvSpPr>
+          <p:cNvPr id="47" name="Rectangle 46"/>
+          <p:cNvSpPr/>
+          <p:nvPr/>
+        </p:nvSpPr>
+        <p:spPr>
+          <a:xfrm>
+            <a:off x="4997676" y="5960328"/>
+            <a:ext cx="1230337" cy="338554"/>
+          </a:xfrm>
+          <a:prstGeom prst="rect">
+            <a:avLst/>
+          </a:prstGeom>
+        </p:spPr>
+        <p:txBody>
+          <a:bodyPr wrap="none">
+            <a:spAutoFit/>
+          </a:bodyPr>
+          <a:lstStyle/>
+          <a:p>
+            <a:r>
+              <a:rPr lang="en-US" sz="1600" dirty="0" smtClean="0"/>
+              <a:t>chapter2.tex</a:t>
+            </a:r>
+            <a:endParaRPr lang="en-US" sz="1600" dirty="0"/>
+          </a:p>
+        </p:txBody>
+      </p:sp>
+      <p:sp>
+        <p:nvSpPr>
+          <p:cNvPr id="48" name="Rectangle 47"/>
+          <p:cNvSpPr/>
+          <p:nvPr/>
+        </p:nvSpPr>
+        <p:spPr>
+          <a:xfrm>
+            <a:off x="4997675" y="6298973"/>
+            <a:ext cx="1183657" cy="338554"/>
+          </a:xfrm>
+          <a:prstGeom prst="rect">
+            <a:avLst/>
+          </a:prstGeom>
+        </p:spPr>
+        <p:txBody>
+          <a:bodyPr wrap="none">
+            <a:spAutoFit/>
+          </a:bodyPr>
+          <a:lstStyle/>
+          <a:p>
+            <a:r>
+              <a:rPr lang="en-US" sz="1600" dirty="0" smtClean="0"/>
+              <a:t>chapter3.rtf</a:t>
+            </a:r>
+            <a:endParaRPr lang="en-US" sz="1600" dirty="0"/>
+          </a:p>
+        </p:txBody>
+      </p:sp>
+    </p:spTree>
+    <p:extLst>
+      <p:ext uri="{BB962C8B-B14F-4D97-AF65-F5344CB8AC3E}">
+        <p14:creationId xmlns:p14="http://schemas.microsoft.com/office/powerpoint/2010/main" val="425745938"/>
+      </p:ext>
+    </p:extLst>
+  </p:cSld>
+  <p:clrMapOvr>
+    <a:masterClrMapping/>
+  </p:clrMapOvr>
+  <p:timing>
+    <p:tnLst>
+      <p:par>
+        <p:cTn id="1" dur="indefinite" restart="never" nodeType="tmRoot"/>
+      </p:par>
+    </p:tnLst>
+  </p:timing>
+</p:sld>
+</file>
+
+<file path=ppt/slides/slide37.xml><?xml version="1.0" encoding="utf-8"?>
 <p:sld xmlns:a="http://schemas.openxmlformats.org/drawingml/2006/main" xmlns:r="http://schemas.openxmlformats.org/officeDocument/2006/relationships" xmlns:p="http://schemas.openxmlformats.org/presentationml/2006/main">
   <p:cSld>
     <p:spTree>
@@ -26819,266 +28076,6 @@
 </p:sld>
 </file>
 
-<file path=ppt/slides/slide37.xml><?xml version="1.0" encoding="utf-8"?>
-<p:sld xmlns:a="http://schemas.openxmlformats.org/drawingml/2006/main" xmlns:r="http://schemas.openxmlformats.org/officeDocument/2006/relationships" xmlns:p="http://schemas.openxmlformats.org/presentationml/2006/main">
-  <p:cSld>
-    <p:spTree>
-      <p:nvGrpSpPr>
-        <p:cNvPr id="1" name=""/>
-        <p:cNvGrpSpPr/>
-        <p:nvPr/>
-      </p:nvGrpSpPr>
-      <p:grpSpPr>
-        <a:xfrm>
-          <a:off x="0" y="0"/>
-          <a:ext cx="0" cy="0"/>
-          <a:chOff x="0" y="0"/>
-          <a:chExt cx="0" cy="0"/>
-        </a:xfrm>
-      </p:grpSpPr>
-      <p:sp>
-        <p:nvSpPr>
-          <p:cNvPr id="27" name="TextBox 26"/>
-          <p:cNvSpPr txBox="1"/>
-          <p:nvPr/>
-        </p:nvSpPr>
-        <p:spPr>
-          <a:xfrm>
-            <a:off x="1887727" y="2028144"/>
-            <a:ext cx="5351535" cy="461665"/>
-          </a:xfrm>
-          <a:prstGeom prst="rect">
-            <a:avLst/>
-          </a:prstGeom>
-          <a:solidFill>
-            <a:schemeClr val="accent2">
-              <a:lumMod val="40000"/>
-              <a:lumOff val="60000"/>
-            </a:schemeClr>
-          </a:solidFill>
-        </p:spPr>
-        <p:txBody>
-          <a:bodyPr wrap="square" rtlCol="0">
-            <a:spAutoFit/>
-          </a:bodyPr>
-          <a:lstStyle/>
-          <a:p>
-            <a:r>
-              <a:rPr lang="en-US" sz="2400" dirty="0" smtClean="0"/>
-              <a:t>$ </a:t>
-            </a:r>
-            <a:r>
-              <a:rPr lang="en-US" sz="2400" dirty="0" err="1" smtClean="0"/>
-              <a:t>git</a:t>
-            </a:r>
-            <a:r>
-              <a:rPr lang="en-US" sz="2400" dirty="0" smtClean="0"/>
-              <a:t> lg2</a:t>
-            </a:r>
-          </a:p>
-        </p:txBody>
-      </p:sp>
-      <p:sp>
-        <p:nvSpPr>
-          <p:cNvPr id="4" name="TextBox 3"/>
-          <p:cNvSpPr txBox="1"/>
-          <p:nvPr/>
-        </p:nvSpPr>
-        <p:spPr>
-          <a:xfrm>
-            <a:off x="884118" y="709175"/>
-            <a:ext cx="7912410" cy="646331"/>
-          </a:xfrm>
-          <a:prstGeom prst="rect">
-            <a:avLst/>
-          </a:prstGeom>
-          <a:noFill/>
-        </p:spPr>
-        <p:txBody>
-          <a:bodyPr wrap="square" rtlCol="0">
-            <a:spAutoFit/>
-          </a:bodyPr>
-          <a:lstStyle/>
-          <a:p>
-            <a:r>
-              <a:rPr lang="en-US" sz="3600" dirty="0" smtClean="0"/>
-              <a:t>“What have I done?”: </a:t>
-            </a:r>
-            <a:r>
-              <a:rPr lang="en-US" sz="3600" i="1" dirty="0" err="1" smtClean="0"/>
-              <a:t>git</a:t>
-            </a:r>
-            <a:r>
-              <a:rPr lang="en-US" sz="3600" i="1" dirty="0" smtClean="0"/>
-              <a:t> log</a:t>
-            </a:r>
-            <a:endParaRPr lang="en-US" sz="3600" dirty="0"/>
-          </a:p>
-        </p:txBody>
-      </p:sp>
-      <p:pic>
-        <p:nvPicPr>
-          <p:cNvPr id="2" name="Picture 1"/>
-          <p:cNvPicPr>
-            <a:picLocks noChangeAspect="1"/>
-          </p:cNvPicPr>
-          <p:nvPr/>
-        </p:nvPicPr>
-        <p:blipFill>
-          <a:blip r:embed="rId2">
-            <a:extLst>
-              <a:ext uri="{28A0092B-C50C-407E-A947-70E740481C1C}">
-                <a14:useLocalDpi xmlns:a14="http://schemas.microsoft.com/office/drawing/2010/main" val="0"/>
-              </a:ext>
-            </a:extLst>
-          </a:blip>
-          <a:stretch>
-            <a:fillRect/>
-          </a:stretch>
-        </p:blipFill>
-        <p:spPr>
-          <a:xfrm>
-            <a:off x="219456" y="3436394"/>
-            <a:ext cx="9318227" cy="2243554"/>
-          </a:xfrm>
-          <a:prstGeom prst="rect">
-            <a:avLst/>
-          </a:prstGeom>
-        </p:spPr>
-      </p:pic>
-      <p:sp>
-        <p:nvSpPr>
-          <p:cNvPr id="6" name="Rectangle 5"/>
-          <p:cNvSpPr/>
-          <p:nvPr/>
-        </p:nvSpPr>
-        <p:spPr>
-          <a:xfrm>
-            <a:off x="1887727" y="2665585"/>
-            <a:ext cx="5449824" cy="338554"/>
-          </a:xfrm>
-          <a:prstGeom prst="rect">
-            <a:avLst/>
-          </a:prstGeom>
-        </p:spPr>
-        <p:txBody>
-          <a:bodyPr wrap="square">
-            <a:spAutoFit/>
-          </a:bodyPr>
-          <a:lstStyle/>
-          <a:p>
-            <a:r>
-              <a:rPr lang="en-US" sz="800" dirty="0"/>
-              <a:t>lg2 = log --graph --abbrev-commit --decorate --format=format:'%C(bold blue)%</a:t>
-            </a:r>
-            <a:r>
-              <a:rPr lang="en-US" sz="800" dirty="0" err="1"/>
-              <a:t>h%C</a:t>
-            </a:r>
-            <a:r>
-              <a:rPr lang="en-US" sz="800" dirty="0"/>
-              <a:t>(reset) - %C(bold cyan)%</a:t>
-            </a:r>
-            <a:r>
-              <a:rPr lang="en-US" sz="800" dirty="0" err="1"/>
-              <a:t>aD%C</a:t>
-            </a:r>
-            <a:r>
-              <a:rPr lang="en-US" sz="800" dirty="0"/>
-              <a:t>(reset) %C(bold green)(%</a:t>
-            </a:r>
-            <a:r>
-              <a:rPr lang="en-US" sz="800" dirty="0" err="1"/>
-              <a:t>ar</a:t>
-            </a:r>
-            <a:r>
-              <a:rPr lang="en-US" sz="800" dirty="0"/>
-              <a:t>)%C(reset)%C(bold yellow)%</a:t>
-            </a:r>
-            <a:r>
-              <a:rPr lang="en-US" sz="800" dirty="0" err="1"/>
-              <a:t>d%C</a:t>
-            </a:r>
-            <a:r>
-              <a:rPr lang="en-US" sz="800" dirty="0"/>
-              <a:t>(reset)%n'' %C(white)%</a:t>
-            </a:r>
-            <a:r>
-              <a:rPr lang="en-US" sz="800" dirty="0" err="1"/>
-              <a:t>s%C</a:t>
-            </a:r>
-            <a:r>
-              <a:rPr lang="en-US" sz="800" dirty="0"/>
-              <a:t>(reset) %C(dim white)- %</a:t>
-            </a:r>
-            <a:r>
-              <a:rPr lang="en-US" sz="800" dirty="0" err="1"/>
-              <a:t>an%C</a:t>
-            </a:r>
-            <a:r>
-              <a:rPr lang="en-US" sz="800" dirty="0"/>
-              <a:t>(reset)' --all</a:t>
-            </a:r>
-          </a:p>
-        </p:txBody>
-      </p:sp>
-      <p:sp>
-        <p:nvSpPr>
-          <p:cNvPr id="13" name="Rectangle 12"/>
-          <p:cNvSpPr/>
-          <p:nvPr/>
-        </p:nvSpPr>
-        <p:spPr>
-          <a:xfrm>
-            <a:off x="884118" y="5857092"/>
-            <a:ext cx="7692953" cy="769441"/>
-          </a:xfrm>
-          <a:prstGeom prst="rect">
-            <a:avLst/>
-          </a:prstGeom>
-        </p:spPr>
-        <p:txBody>
-          <a:bodyPr wrap="square">
-            <a:spAutoFit/>
-          </a:bodyPr>
-          <a:lstStyle/>
-          <a:p>
-            <a:r>
-              <a:rPr lang="en-US" sz="2200" dirty="0" smtClean="0"/>
-              <a:t>...</a:t>
-            </a:r>
-            <a:r>
-              <a:rPr lang="en-US" sz="2200" dirty="0" err="1" smtClean="0"/>
-              <a:t>git</a:t>
-            </a:r>
-            <a:r>
-              <a:rPr lang="en-US" sz="2200" dirty="0" smtClean="0"/>
-              <a:t> is extraordinarily feature-rich, and can take a very long time to learn. The most essential features, though, are straightforward</a:t>
-            </a:r>
-            <a:endParaRPr lang="en-US" sz="2200" i="1" dirty="0"/>
-          </a:p>
-        </p:txBody>
-      </p:sp>
-    </p:spTree>
-    <p:extLst>
-      <p:ext uri="{BB962C8B-B14F-4D97-AF65-F5344CB8AC3E}">
-        <p14:creationId xmlns:p14="http://schemas.microsoft.com/office/powerpoint/2010/main" val="1475864544"/>
-      </p:ext>
-    </p:extLst>
-  </p:cSld>
-  <p:clrMapOvr>
-    <a:masterClrMapping/>
-  </p:clrMapOvr>
-  <p:timing>
-    <p:tnLst>
-      <p:par>
-        <p:cTn id="1" dur="indefinite" restart="never" nodeType="tmRoot"/>
-      </p:par>
-    </p:tnLst>
-  </p:timing>
-</p:sld>
-</file>
-
 <file path=ppt/slides/slide38.xml><?xml version="1.0" encoding="utf-8"?>
 <p:sld xmlns:a="http://schemas.openxmlformats.org/drawingml/2006/main" xmlns:r="http://schemas.openxmlformats.org/officeDocument/2006/relationships" xmlns:p="http://schemas.openxmlformats.org/presentationml/2006/main">
   <p:cSld>
@@ -27104,8 +28101,8 @@
         </p:nvSpPr>
         <p:spPr>
           <a:xfrm>
-            <a:off x="4067083" y="1533108"/>
-            <a:ext cx="5223221" cy="1938992"/>
+            <a:off x="1887727" y="2028144"/>
+            <a:ext cx="5351535" cy="461665"/>
           </a:xfrm>
           <a:prstGeom prst="rect">
             <a:avLst/>
@@ -27133,75 +28130,8 @@
             </a:r>
             <a:r>
               <a:rPr lang="en-US" sz="2400" dirty="0" smtClean="0"/>
-              <a:t> checkout </a:t>
-            </a:r>
-            <a:r>
-              <a:rPr lang="en-US" sz="2400" dirty="0" err="1" smtClean="0"/>
-              <a:t>latexBranch</a:t>
-            </a:r>
-            <a:endParaRPr lang="en-US" sz="2400" dirty="0" smtClean="0"/>
-          </a:p>
-          <a:p>
-            <a:r>
-              <a:rPr lang="en-US" sz="2400" dirty="0" smtClean="0"/>
-              <a:t>$ </a:t>
-            </a:r>
-            <a:r>
-              <a:rPr lang="en-US" sz="2400" dirty="0"/>
-              <a:t>mv </a:t>
-            </a:r>
-            <a:r>
-              <a:rPr lang="en-US" sz="2400" dirty="0" smtClean="0"/>
-              <a:t>chapter3.rtf chapter3.tex</a:t>
-            </a:r>
-            <a:endParaRPr lang="en-US" sz="2400" dirty="0"/>
-          </a:p>
-          <a:p>
-            <a:r>
-              <a:rPr lang="en-US" sz="2400" dirty="0"/>
-              <a:t>$ vim </a:t>
-            </a:r>
-            <a:r>
-              <a:rPr lang="en-US" sz="2400" dirty="0" smtClean="0"/>
-              <a:t>chapter3.tex</a:t>
-            </a:r>
-            <a:r>
-              <a:rPr lang="en-US" sz="2400" dirty="0"/>
-              <a:t> </a:t>
-            </a:r>
-          </a:p>
-          <a:p>
-            <a:r>
-              <a:rPr lang="en-US" sz="2400" dirty="0"/>
-              <a:t>$ </a:t>
-            </a:r>
-            <a:r>
-              <a:rPr lang="en-US" sz="2400" dirty="0" err="1"/>
-              <a:t>git</a:t>
-            </a:r>
-            <a:r>
-              <a:rPr lang="en-US" sz="2400" dirty="0"/>
-              <a:t> add --all </a:t>
-            </a:r>
-          </a:p>
-          <a:p>
-            <a:r>
-              <a:rPr lang="en-US" sz="2400" dirty="0"/>
-              <a:t>$</a:t>
-            </a:r>
-            <a:r>
-              <a:rPr lang="en-US" sz="2400" dirty="0" err="1"/>
-              <a:t>git</a:t>
-            </a:r>
-            <a:r>
-              <a:rPr lang="en-US" sz="2400" dirty="0"/>
-              <a:t> commit -m ”converted </a:t>
-            </a:r>
-            <a:r>
-              <a:rPr lang="en-US" sz="2400" dirty="0" smtClean="0"/>
-              <a:t>chapter 3”</a:t>
-            </a:r>
-            <a:endParaRPr lang="en-US" sz="2400" dirty="0"/>
+              <a:t> lg2</a:t>
+            </a:r>
           </a:p>
         </p:txBody>
       </p:sp>
@@ -27229,1058 +28159,167 @@
           <a:p>
             <a:r>
               <a:rPr lang="en-US" sz="3600" dirty="0" smtClean="0"/>
-              <a:t>Let’s finish this thesis...</a:t>
+              <a:t>“What have I done?”: </a:t>
+            </a:r>
+            <a:r>
+              <a:rPr lang="en-US" sz="3600" i="1" dirty="0" err="1" smtClean="0"/>
+              <a:t>git</a:t>
+            </a:r>
+            <a:r>
+              <a:rPr lang="en-US" sz="3600" i="1" dirty="0" smtClean="0"/>
+              <a:t> log</a:t>
             </a:r>
             <a:endParaRPr lang="en-US" sz="3600" dirty="0"/>
           </a:p>
         </p:txBody>
       </p:sp>
-      <p:sp>
-        <p:nvSpPr>
-          <p:cNvPr id="28" name="Rounded Rectangle 27"/>
+      <p:pic>
+        <p:nvPicPr>
+          <p:cNvPr id="2" name="Picture 1"/>
+          <p:cNvPicPr>
+            <a:picLocks noChangeAspect="1"/>
+          </p:cNvPicPr>
+          <p:nvPr/>
+        </p:nvPicPr>
+        <p:blipFill>
+          <a:blip r:embed="rId2">
+            <a:extLst>
+              <a:ext uri="{28A0092B-C50C-407E-A947-70E740481C1C}">
+                <a14:useLocalDpi xmlns:a14="http://schemas.microsoft.com/office/drawing/2010/main" val="0"/>
+              </a:ext>
+            </a:extLst>
+          </a:blip>
+          <a:stretch>
+            <a:fillRect/>
+          </a:stretch>
+        </p:blipFill>
+        <p:spPr>
+          <a:xfrm>
+            <a:off x="219456" y="3436394"/>
+            <a:ext cx="9318227" cy="2243554"/>
+          </a:xfrm>
+          <a:prstGeom prst="rect">
+            <a:avLst/>
+          </a:prstGeom>
+        </p:spPr>
+      </p:pic>
+      <p:sp>
+        <p:nvSpPr>
+          <p:cNvPr id="6" name="Rectangle 5"/>
           <p:cNvSpPr/>
           <p:nvPr/>
         </p:nvSpPr>
         <p:spPr>
           <a:xfrm>
-            <a:off x="7751198" y="4700956"/>
-            <a:ext cx="1146777" cy="694944"/>
-          </a:xfrm>
-          <a:prstGeom prst="roundRect">
-            <a:avLst/>
-          </a:prstGeom>
-          <a:solidFill>
-            <a:schemeClr val="bg1">
-              <a:lumMod val="75000"/>
-            </a:schemeClr>
-          </a:solidFill>
-          <a:ln>
-            <a:noFill/>
-          </a:ln>
-        </p:spPr>
-        <p:style>
-          <a:lnRef idx="2">
-            <a:schemeClr val="accent1">
-              <a:shade val="50000"/>
-            </a:schemeClr>
-          </a:lnRef>
-          <a:fillRef idx="1">
-            <a:schemeClr val="accent1"/>
-          </a:fillRef>
-          <a:effectRef idx="0">
-            <a:schemeClr val="accent1"/>
-          </a:effectRef>
-          <a:fontRef idx="minor">
-            <a:schemeClr val="lt1"/>
-          </a:fontRef>
-        </p:style>
-        <p:txBody>
-          <a:bodyPr rtlCol="0" anchor="ctr"/>
-          <a:lstStyle/>
-          <a:p>
-            <a:pPr algn="ctr"/>
-            <a:r>
-              <a:rPr lang="en-US" sz="2000" dirty="0" smtClean="0">
-                <a:solidFill>
-                  <a:schemeClr val="tx1"/>
-                </a:solidFill>
-              </a:rPr>
-              <a:t>HEAD </a:t>
-            </a:r>
-          </a:p>
-        </p:txBody>
-      </p:sp>
-      <p:sp>
-        <p:nvSpPr>
-          <p:cNvPr id="46" name="Rectangle 45"/>
-          <p:cNvSpPr/>
-          <p:nvPr/>
-        </p:nvSpPr>
-        <p:spPr>
-          <a:xfrm>
-            <a:off x="7667638" y="5502377"/>
-            <a:ext cx="1230337" cy="338554"/>
+            <a:off x="1887727" y="2665585"/>
+            <a:ext cx="5449824" cy="338554"/>
           </a:xfrm>
           <a:prstGeom prst="rect">
             <a:avLst/>
           </a:prstGeom>
         </p:spPr>
         <p:txBody>
-          <a:bodyPr wrap="none">
+          <a:bodyPr wrap="square">
             <a:spAutoFit/>
           </a:bodyPr>
           <a:lstStyle/>
           <a:p>
             <a:r>
-              <a:rPr lang="en-US" sz="1600" dirty="0" smtClean="0"/>
-              <a:t>chapter1.tex</a:t>
-            </a:r>
-            <a:endParaRPr lang="en-US" sz="1600" dirty="0"/>
-          </a:p>
-        </p:txBody>
-      </p:sp>
-      <p:sp>
-        <p:nvSpPr>
-          <p:cNvPr id="47" name="Rectangle 46"/>
+              <a:rPr lang="en-US" sz="800" dirty="0"/>
+              <a:t>lg2 = log --graph --abbrev-commit --decorate --format=format:'%C(bold blue)%</a:t>
+            </a:r>
+            <a:r>
+              <a:rPr lang="en-US" sz="800" dirty="0" err="1"/>
+              <a:t>h%C</a:t>
+            </a:r>
+            <a:r>
+              <a:rPr lang="en-US" sz="800" dirty="0"/>
+              <a:t>(reset) - %C(bold cyan)%</a:t>
+            </a:r>
+            <a:r>
+              <a:rPr lang="en-US" sz="800" dirty="0" err="1"/>
+              <a:t>aD%C</a:t>
+            </a:r>
+            <a:r>
+              <a:rPr lang="en-US" sz="800" dirty="0"/>
+              <a:t>(reset) %C(bold green)(%</a:t>
+            </a:r>
+            <a:r>
+              <a:rPr lang="en-US" sz="800" dirty="0" err="1"/>
+              <a:t>ar</a:t>
+            </a:r>
+            <a:r>
+              <a:rPr lang="en-US" sz="800" dirty="0"/>
+              <a:t>)%C(reset)%C(bold yellow)%</a:t>
+            </a:r>
+            <a:r>
+              <a:rPr lang="en-US" sz="800" dirty="0" err="1"/>
+              <a:t>d%C</a:t>
+            </a:r>
+            <a:r>
+              <a:rPr lang="en-US" sz="800" dirty="0"/>
+              <a:t>(reset)%n'' %C(white)%</a:t>
+            </a:r>
+            <a:r>
+              <a:rPr lang="en-US" sz="800" dirty="0" err="1"/>
+              <a:t>s%C</a:t>
+            </a:r>
+            <a:r>
+              <a:rPr lang="en-US" sz="800" dirty="0"/>
+              <a:t>(reset) %C(dim white)- %</a:t>
+            </a:r>
+            <a:r>
+              <a:rPr lang="en-US" sz="800" dirty="0" err="1"/>
+              <a:t>an%C</a:t>
+            </a:r>
+            <a:r>
+              <a:rPr lang="en-US" sz="800" dirty="0"/>
+              <a:t>(reset)' --all</a:t>
+            </a:r>
+          </a:p>
+        </p:txBody>
+      </p:sp>
+      <p:sp>
+        <p:nvSpPr>
+          <p:cNvPr id="13" name="Rectangle 12"/>
           <p:cNvSpPr/>
           <p:nvPr/>
         </p:nvSpPr>
         <p:spPr>
           <a:xfrm>
-            <a:off x="7667639" y="5840931"/>
-            <a:ext cx="1230337" cy="338554"/>
+            <a:off x="884118" y="5857092"/>
+            <a:ext cx="7692953" cy="769441"/>
           </a:xfrm>
           <a:prstGeom prst="rect">
             <a:avLst/>
           </a:prstGeom>
         </p:spPr>
         <p:txBody>
-          <a:bodyPr wrap="none">
+          <a:bodyPr wrap="square">
             <a:spAutoFit/>
           </a:bodyPr>
           <a:lstStyle/>
           <a:p>
             <a:r>
-              <a:rPr lang="en-US" sz="1600" dirty="0" smtClean="0"/>
-              <a:t>chapter2.tex</a:t>
-            </a:r>
-            <a:endParaRPr lang="en-US" sz="1600" dirty="0"/>
-          </a:p>
-        </p:txBody>
-      </p:sp>
-      <p:sp>
-        <p:nvSpPr>
-          <p:cNvPr id="48" name="Rectangle 47"/>
-          <p:cNvSpPr/>
-          <p:nvPr/>
-        </p:nvSpPr>
-        <p:spPr>
-          <a:xfrm>
-            <a:off x="7667638" y="6179576"/>
-            <a:ext cx="1230337" cy="338554"/>
-          </a:xfrm>
-          <a:prstGeom prst="rect">
-            <a:avLst/>
-          </a:prstGeom>
-        </p:spPr>
-        <p:txBody>
-          <a:bodyPr wrap="none">
-            <a:spAutoFit/>
-          </a:bodyPr>
-          <a:lstStyle/>
-          <a:p>
-            <a:r>
-              <a:rPr lang="en-US" sz="1600" dirty="0" smtClean="0"/>
-              <a:t>chapter3.tex</a:t>
-            </a:r>
-            <a:endParaRPr lang="en-US" sz="1600" dirty="0"/>
-          </a:p>
-        </p:txBody>
-      </p:sp>
-      <p:sp>
-        <p:nvSpPr>
-          <p:cNvPr id="71" name="Oval 70"/>
-          <p:cNvSpPr/>
-          <p:nvPr/>
-        </p:nvSpPr>
-        <p:spPr>
-          <a:xfrm>
-            <a:off x="151738" y="3072021"/>
-            <a:ext cx="859263" cy="737713"/>
-          </a:xfrm>
-          <a:prstGeom prst="ellipse">
-            <a:avLst/>
-          </a:prstGeom>
-          <a:solidFill>
-            <a:schemeClr val="accent1">
-              <a:lumMod val="40000"/>
-              <a:lumOff val="60000"/>
-            </a:schemeClr>
-          </a:solidFill>
-          <a:ln>
-            <a:noFill/>
-          </a:ln>
-        </p:spPr>
-        <p:style>
-          <a:lnRef idx="2">
-            <a:schemeClr val="accent1">
-              <a:shade val="50000"/>
-            </a:schemeClr>
-          </a:lnRef>
-          <a:fillRef idx="1">
-            <a:schemeClr val="accent1"/>
-          </a:fillRef>
-          <a:effectRef idx="0">
-            <a:schemeClr val="accent1"/>
-          </a:effectRef>
-          <a:fontRef idx="minor">
-            <a:schemeClr val="lt1"/>
-          </a:fontRef>
-        </p:style>
-        <p:txBody>
-          <a:bodyPr rtlCol="0" anchor="ctr"/>
-          <a:lstStyle/>
-          <a:p>
-            <a:pPr algn="ctr"/>
-            <a:r>
-              <a:rPr lang="en-US" sz="3200" b="1" dirty="0" smtClean="0">
-                <a:solidFill>
-                  <a:srgbClr val="FF0000"/>
-                </a:solidFill>
-              </a:rPr>
-              <a:t>C0</a:t>
-            </a:r>
-            <a:endParaRPr lang="en-US" sz="3200" b="1" dirty="0">
-              <a:solidFill>
-                <a:srgbClr val="FF0000"/>
-              </a:solidFill>
-            </a:endParaRPr>
-          </a:p>
-        </p:txBody>
-      </p:sp>
-      <p:sp>
-        <p:nvSpPr>
-          <p:cNvPr id="72" name="Oval 71"/>
-          <p:cNvSpPr/>
-          <p:nvPr/>
-        </p:nvSpPr>
-        <p:spPr>
-          <a:xfrm>
-            <a:off x="2632723" y="3072021"/>
-            <a:ext cx="859263" cy="737713"/>
-          </a:xfrm>
-          <a:prstGeom prst="ellipse">
-            <a:avLst/>
-          </a:prstGeom>
-          <a:solidFill>
-            <a:schemeClr val="accent1">
-              <a:lumMod val="40000"/>
-              <a:lumOff val="60000"/>
-            </a:schemeClr>
-          </a:solidFill>
-          <a:ln>
-            <a:noFill/>
-          </a:ln>
-        </p:spPr>
-        <p:style>
-          <a:lnRef idx="2">
-            <a:schemeClr val="accent1">
-              <a:shade val="50000"/>
-            </a:schemeClr>
-          </a:lnRef>
-          <a:fillRef idx="1">
-            <a:schemeClr val="accent1"/>
-          </a:fillRef>
-          <a:effectRef idx="0">
-            <a:schemeClr val="accent1"/>
-          </a:effectRef>
-          <a:fontRef idx="minor">
-            <a:schemeClr val="lt1"/>
-          </a:fontRef>
-        </p:style>
-        <p:txBody>
-          <a:bodyPr rtlCol="0" anchor="ctr"/>
-          <a:lstStyle/>
-          <a:p>
-            <a:pPr algn="ctr"/>
-            <a:r>
-              <a:rPr lang="en-US" sz="3200" b="1" dirty="0" smtClean="0">
-                <a:solidFill>
-                  <a:srgbClr val="FF0000"/>
-                </a:solidFill>
-              </a:rPr>
-              <a:t>C4</a:t>
-            </a:r>
-            <a:endParaRPr lang="en-US" sz="3200" b="1" dirty="0">
-              <a:solidFill>
-                <a:srgbClr val="FF0000"/>
-              </a:solidFill>
-            </a:endParaRPr>
-          </a:p>
-        </p:txBody>
-      </p:sp>
-      <p:sp>
-        <p:nvSpPr>
-          <p:cNvPr id="73" name="Oval 72"/>
-          <p:cNvSpPr/>
-          <p:nvPr/>
-        </p:nvSpPr>
-        <p:spPr>
-          <a:xfrm>
-            <a:off x="1403526" y="3072021"/>
-            <a:ext cx="859263" cy="737713"/>
-          </a:xfrm>
-          <a:prstGeom prst="ellipse">
-            <a:avLst/>
-          </a:prstGeom>
-          <a:solidFill>
-            <a:schemeClr val="accent1">
-              <a:lumMod val="40000"/>
-              <a:lumOff val="60000"/>
-            </a:schemeClr>
-          </a:solidFill>
-          <a:ln>
-            <a:noFill/>
-          </a:ln>
-        </p:spPr>
-        <p:style>
-          <a:lnRef idx="2">
-            <a:schemeClr val="accent1">
-              <a:shade val="50000"/>
-            </a:schemeClr>
-          </a:lnRef>
-          <a:fillRef idx="1">
-            <a:schemeClr val="accent1"/>
-          </a:fillRef>
-          <a:effectRef idx="0">
-            <a:schemeClr val="accent1"/>
-          </a:effectRef>
-          <a:fontRef idx="minor">
-            <a:schemeClr val="lt1"/>
-          </a:fontRef>
-        </p:style>
-        <p:txBody>
-          <a:bodyPr rtlCol="0" anchor="ctr"/>
-          <a:lstStyle/>
-          <a:p>
-            <a:pPr algn="ctr"/>
-            <a:r>
-              <a:rPr lang="en-US" sz="3200" b="1" dirty="0" smtClean="0">
-                <a:solidFill>
-                  <a:srgbClr val="FF0000"/>
-                </a:solidFill>
-              </a:rPr>
-              <a:t>C1</a:t>
-            </a:r>
-            <a:endParaRPr lang="en-US" sz="3200" b="1" dirty="0">
-              <a:solidFill>
-                <a:srgbClr val="FF0000"/>
-              </a:solidFill>
-            </a:endParaRPr>
-          </a:p>
-        </p:txBody>
-      </p:sp>
-      <p:sp>
-        <p:nvSpPr>
-          <p:cNvPr id="74" name="Oval 73"/>
-          <p:cNvSpPr/>
-          <p:nvPr/>
-        </p:nvSpPr>
-        <p:spPr>
-          <a:xfrm>
-            <a:off x="3907102" y="4333893"/>
-            <a:ext cx="859263" cy="737713"/>
-          </a:xfrm>
-          <a:prstGeom prst="ellipse">
-            <a:avLst/>
-          </a:prstGeom>
-          <a:solidFill>
-            <a:schemeClr val="accent1">
-              <a:lumMod val="40000"/>
-              <a:lumOff val="60000"/>
-            </a:schemeClr>
-          </a:solidFill>
-          <a:ln>
-            <a:noFill/>
-          </a:ln>
-        </p:spPr>
-        <p:style>
-          <a:lnRef idx="2">
-            <a:schemeClr val="accent1">
-              <a:shade val="50000"/>
-            </a:schemeClr>
-          </a:lnRef>
-          <a:fillRef idx="1">
-            <a:schemeClr val="accent1"/>
-          </a:fillRef>
-          <a:effectRef idx="0">
-            <a:schemeClr val="accent1"/>
-          </a:effectRef>
-          <a:fontRef idx="minor">
-            <a:schemeClr val="lt1"/>
-          </a:fontRef>
-        </p:style>
-        <p:txBody>
-          <a:bodyPr rtlCol="0" anchor="ctr"/>
-          <a:lstStyle/>
-          <a:p>
-            <a:pPr algn="ctr"/>
-            <a:r>
-              <a:rPr lang="en-US" sz="3200" b="1" dirty="0" smtClean="0">
-                <a:solidFill>
-                  <a:srgbClr val="FF0000"/>
-                </a:solidFill>
-              </a:rPr>
-              <a:t>C3</a:t>
-            </a:r>
-            <a:endParaRPr lang="en-US" sz="3200" b="1" dirty="0">
-              <a:solidFill>
-                <a:srgbClr val="FF0000"/>
-              </a:solidFill>
-            </a:endParaRPr>
-          </a:p>
-        </p:txBody>
-      </p:sp>
-      <p:sp>
-        <p:nvSpPr>
-          <p:cNvPr id="75" name="Oval 74"/>
-          <p:cNvSpPr/>
-          <p:nvPr/>
-        </p:nvSpPr>
-        <p:spPr>
-          <a:xfrm>
-            <a:off x="2655314" y="4333893"/>
-            <a:ext cx="859263" cy="737713"/>
-          </a:xfrm>
-          <a:prstGeom prst="ellipse">
-            <a:avLst/>
-          </a:prstGeom>
-          <a:solidFill>
-            <a:schemeClr val="accent1">
-              <a:lumMod val="40000"/>
-              <a:lumOff val="60000"/>
-            </a:schemeClr>
-          </a:solidFill>
-          <a:ln>
-            <a:noFill/>
-          </a:ln>
-        </p:spPr>
-        <p:style>
-          <a:lnRef idx="2">
-            <a:schemeClr val="accent1">
-              <a:shade val="50000"/>
-            </a:schemeClr>
-          </a:lnRef>
-          <a:fillRef idx="1">
-            <a:schemeClr val="accent1"/>
-          </a:fillRef>
-          <a:effectRef idx="0">
-            <a:schemeClr val="accent1"/>
-          </a:effectRef>
-          <a:fontRef idx="minor">
-            <a:schemeClr val="lt1"/>
-          </a:fontRef>
-        </p:style>
-        <p:txBody>
-          <a:bodyPr rtlCol="0" anchor="ctr"/>
-          <a:lstStyle/>
-          <a:p>
-            <a:pPr algn="ctr"/>
-            <a:r>
-              <a:rPr lang="en-US" sz="3200" b="1" dirty="0" smtClean="0">
-                <a:solidFill>
-                  <a:srgbClr val="FF0000"/>
-                </a:solidFill>
-              </a:rPr>
-              <a:t>C2</a:t>
-            </a:r>
-            <a:endParaRPr lang="en-US" sz="3200" b="1" dirty="0">
-              <a:solidFill>
-                <a:srgbClr val="FF0000"/>
-              </a:solidFill>
-            </a:endParaRPr>
-          </a:p>
-        </p:txBody>
-      </p:sp>
-      <p:sp>
-        <p:nvSpPr>
-          <p:cNvPr id="76" name="Oval 75"/>
-          <p:cNvSpPr/>
-          <p:nvPr/>
-        </p:nvSpPr>
-        <p:spPr>
-          <a:xfrm>
-            <a:off x="5310784" y="4333893"/>
-            <a:ext cx="859263" cy="737713"/>
-          </a:xfrm>
-          <a:prstGeom prst="ellipse">
-            <a:avLst/>
-          </a:prstGeom>
-          <a:solidFill>
-            <a:schemeClr val="accent1">
-              <a:lumMod val="40000"/>
-              <a:lumOff val="60000"/>
-            </a:schemeClr>
-          </a:solidFill>
-          <a:ln>
-            <a:noFill/>
-          </a:ln>
-        </p:spPr>
-        <p:style>
-          <a:lnRef idx="2">
-            <a:schemeClr val="accent1">
-              <a:shade val="50000"/>
-            </a:schemeClr>
-          </a:lnRef>
-          <a:fillRef idx="1">
-            <a:schemeClr val="accent1"/>
-          </a:fillRef>
-          <a:effectRef idx="0">
-            <a:schemeClr val="accent1"/>
-          </a:effectRef>
-          <a:fontRef idx="minor">
-            <a:schemeClr val="lt1"/>
-          </a:fontRef>
-        </p:style>
-        <p:txBody>
-          <a:bodyPr rtlCol="0" anchor="ctr"/>
-          <a:lstStyle/>
-          <a:p>
-            <a:pPr algn="ctr"/>
-            <a:r>
-              <a:rPr lang="en-US" sz="3200" b="1" dirty="0" smtClean="0">
-                <a:solidFill>
-                  <a:srgbClr val="FF0000"/>
-                </a:solidFill>
-              </a:rPr>
-              <a:t>C5</a:t>
-            </a:r>
-            <a:endParaRPr lang="en-US" sz="3200" b="1" dirty="0">
-              <a:solidFill>
-                <a:srgbClr val="FF0000"/>
-              </a:solidFill>
-            </a:endParaRPr>
-          </a:p>
-        </p:txBody>
-      </p:sp>
-      <p:cxnSp>
-        <p:nvCxnSpPr>
-          <p:cNvPr id="78" name="Straight Arrow Connector 77"/>
-          <p:cNvCxnSpPr>
-            <a:stCxn id="74" idx="2"/>
-            <a:endCxn id="71" idx="6"/>
-          </p:cNvCxnSpPr>
-          <p:nvPr/>
-        </p:nvCxnSpPr>
-        <p:spPr>
-          <a:xfrm flipH="1">
-            <a:off x="1011001" y="3440878"/>
-            <a:ext cx="392525" cy="0"/>
-          </a:xfrm>
-          <a:prstGeom prst="straightConnector1">
-            <a:avLst/>
-          </a:prstGeom>
-          <a:ln w="76200">
-            <a:solidFill>
-              <a:schemeClr val="tx1"/>
-            </a:solidFill>
-            <a:tailEnd type="triangle"/>
-          </a:ln>
-        </p:spPr>
-        <p:style>
-          <a:lnRef idx="1">
-            <a:schemeClr val="accent1"/>
-          </a:lnRef>
-          <a:fillRef idx="0">
-            <a:schemeClr val="accent1"/>
-          </a:fillRef>
-          <a:effectRef idx="0">
-            <a:schemeClr val="accent1"/>
-          </a:effectRef>
-          <a:fontRef idx="minor">
-            <a:schemeClr val="tx1"/>
-          </a:fontRef>
-        </p:style>
-      </p:cxnSp>
-      <p:cxnSp>
-        <p:nvCxnSpPr>
-          <p:cNvPr id="79" name="Straight Arrow Connector 78"/>
-          <p:cNvCxnSpPr>
-            <a:stCxn id="74" idx="2"/>
-            <a:endCxn id="75" idx="6"/>
-          </p:cNvCxnSpPr>
-          <p:nvPr/>
-        </p:nvCxnSpPr>
-        <p:spPr>
-          <a:xfrm flipH="1">
-            <a:off x="3514577" y="4702750"/>
-            <a:ext cx="392525" cy="0"/>
-          </a:xfrm>
-          <a:prstGeom prst="straightConnector1">
-            <a:avLst/>
-          </a:prstGeom>
-          <a:ln w="76200">
-            <a:solidFill>
-              <a:schemeClr val="tx1"/>
-            </a:solidFill>
-            <a:tailEnd type="triangle"/>
-          </a:ln>
-        </p:spPr>
-        <p:style>
-          <a:lnRef idx="1">
-            <a:schemeClr val="accent1"/>
-          </a:lnRef>
-          <a:fillRef idx="0">
-            <a:schemeClr val="accent1"/>
-          </a:fillRef>
-          <a:effectRef idx="0">
-            <a:schemeClr val="accent1"/>
-          </a:effectRef>
-          <a:fontRef idx="minor">
-            <a:schemeClr val="tx1"/>
-          </a:fontRef>
-        </p:style>
-      </p:cxnSp>
-      <p:cxnSp>
-        <p:nvCxnSpPr>
-          <p:cNvPr id="80" name="Straight Arrow Connector 79"/>
-          <p:cNvCxnSpPr>
-            <a:endCxn id="73" idx="5"/>
-          </p:cNvCxnSpPr>
-          <p:nvPr/>
-        </p:nvCxnSpPr>
-        <p:spPr>
-          <a:xfrm flipH="1" flipV="1">
-            <a:off x="2136953" y="3701698"/>
-            <a:ext cx="697687" cy="740231"/>
-          </a:xfrm>
-          <a:prstGeom prst="straightConnector1">
-            <a:avLst/>
-          </a:prstGeom>
-          <a:ln w="76200">
-            <a:solidFill>
-              <a:schemeClr val="tx1"/>
-            </a:solidFill>
-            <a:tailEnd type="triangle"/>
-          </a:ln>
-        </p:spPr>
-        <p:style>
-          <a:lnRef idx="1">
-            <a:schemeClr val="accent1"/>
-          </a:lnRef>
-          <a:fillRef idx="0">
-            <a:schemeClr val="accent1"/>
-          </a:fillRef>
-          <a:effectRef idx="0">
-            <a:schemeClr val="accent1"/>
-          </a:effectRef>
-          <a:fontRef idx="minor">
-            <a:schemeClr val="tx1"/>
-          </a:fontRef>
-        </p:style>
-      </p:cxnSp>
-      <p:cxnSp>
-        <p:nvCxnSpPr>
-          <p:cNvPr id="81" name="Straight Arrow Connector 80"/>
-          <p:cNvCxnSpPr>
-            <a:stCxn id="72" idx="2"/>
-            <a:endCxn id="73" idx="6"/>
-          </p:cNvCxnSpPr>
-          <p:nvPr/>
-        </p:nvCxnSpPr>
-        <p:spPr>
-          <a:xfrm flipH="1">
-            <a:off x="2262789" y="3440878"/>
-            <a:ext cx="369934" cy="0"/>
-          </a:xfrm>
-          <a:prstGeom prst="straightConnector1">
-            <a:avLst/>
-          </a:prstGeom>
-          <a:ln w="76200">
-            <a:solidFill>
-              <a:schemeClr val="tx1"/>
-            </a:solidFill>
-            <a:tailEnd type="triangle"/>
-          </a:ln>
-        </p:spPr>
-        <p:style>
-          <a:lnRef idx="1">
-            <a:schemeClr val="accent1"/>
-          </a:lnRef>
-          <a:fillRef idx="0">
-            <a:schemeClr val="accent1"/>
-          </a:fillRef>
-          <a:effectRef idx="0">
-            <a:schemeClr val="accent1"/>
-          </a:effectRef>
-          <a:fontRef idx="minor">
-            <a:schemeClr val="tx1"/>
-          </a:fontRef>
-        </p:style>
-      </p:cxnSp>
-      <p:cxnSp>
-        <p:nvCxnSpPr>
-          <p:cNvPr id="82" name="Straight Arrow Connector 81"/>
-          <p:cNvCxnSpPr>
-            <a:stCxn id="76" idx="2"/>
-            <a:endCxn id="74" idx="6"/>
-          </p:cNvCxnSpPr>
-          <p:nvPr/>
-        </p:nvCxnSpPr>
-        <p:spPr>
-          <a:xfrm flipH="1">
-            <a:off x="4766365" y="4702750"/>
-            <a:ext cx="544419" cy="0"/>
-          </a:xfrm>
-          <a:prstGeom prst="straightConnector1">
-            <a:avLst/>
-          </a:prstGeom>
-          <a:ln w="76200">
-            <a:solidFill>
-              <a:schemeClr val="tx1"/>
-            </a:solidFill>
-            <a:tailEnd type="triangle"/>
-          </a:ln>
-        </p:spPr>
-        <p:style>
-          <a:lnRef idx="1">
-            <a:schemeClr val="accent1"/>
-          </a:lnRef>
-          <a:fillRef idx="0">
-            <a:schemeClr val="accent1"/>
-          </a:fillRef>
-          <a:effectRef idx="0">
-            <a:schemeClr val="accent1"/>
-          </a:effectRef>
-          <a:fontRef idx="minor">
-            <a:schemeClr val="tx1"/>
-          </a:fontRef>
-        </p:style>
-      </p:cxnSp>
-      <p:cxnSp>
-        <p:nvCxnSpPr>
-          <p:cNvPr id="85" name="Straight Arrow Connector 84"/>
-          <p:cNvCxnSpPr>
-            <a:stCxn id="86" idx="0"/>
-            <a:endCxn id="76" idx="4"/>
-          </p:cNvCxnSpPr>
-          <p:nvPr/>
-        </p:nvCxnSpPr>
-        <p:spPr>
-          <a:xfrm flipV="1">
-            <a:off x="5740416" y="5071606"/>
-            <a:ext cx="0" cy="430771"/>
-          </a:xfrm>
-          <a:prstGeom prst="straightConnector1">
-            <a:avLst/>
-          </a:prstGeom>
-          <a:ln w="76200">
-            <a:solidFill>
-              <a:schemeClr val="tx1"/>
-            </a:solidFill>
-            <a:tailEnd type="triangle"/>
-          </a:ln>
-        </p:spPr>
-        <p:style>
-          <a:lnRef idx="1">
-            <a:schemeClr val="accent1"/>
-          </a:lnRef>
-          <a:fillRef idx="0">
-            <a:schemeClr val="accent1"/>
-          </a:fillRef>
-          <a:effectRef idx="0">
-            <a:schemeClr val="accent1"/>
-          </a:effectRef>
-          <a:fontRef idx="minor">
-            <a:schemeClr val="tx1"/>
-          </a:fontRef>
-        </p:style>
-      </p:cxnSp>
-      <p:sp>
-        <p:nvSpPr>
-          <p:cNvPr id="86" name="Rounded Rectangle 85"/>
-          <p:cNvSpPr/>
-          <p:nvPr/>
-        </p:nvSpPr>
-        <p:spPr>
-          <a:xfrm>
-            <a:off x="4918260" y="5502377"/>
-            <a:ext cx="1644312" cy="694944"/>
-          </a:xfrm>
-          <a:prstGeom prst="roundRect">
-            <a:avLst/>
-          </a:prstGeom>
-          <a:solidFill>
-            <a:schemeClr val="accent6">
-              <a:lumMod val="60000"/>
-              <a:lumOff val="40000"/>
-            </a:schemeClr>
-          </a:solidFill>
-          <a:ln>
-            <a:noFill/>
-          </a:ln>
-        </p:spPr>
-        <p:style>
-          <a:lnRef idx="2">
-            <a:schemeClr val="accent1">
-              <a:shade val="50000"/>
-            </a:schemeClr>
-          </a:lnRef>
-          <a:fillRef idx="1">
-            <a:schemeClr val="accent1"/>
-          </a:fillRef>
-          <a:effectRef idx="0">
-            <a:schemeClr val="accent1"/>
-          </a:effectRef>
-          <a:fontRef idx="minor">
-            <a:schemeClr val="lt1"/>
-          </a:fontRef>
-        </p:style>
-        <p:txBody>
-          <a:bodyPr rtlCol="0" anchor="ctr"/>
-          <a:lstStyle/>
-          <a:p>
-            <a:pPr algn="ctr"/>
-            <a:r>
-              <a:rPr lang="en-US" sz="2000" dirty="0" err="1" smtClean="0">
-                <a:solidFill>
-                  <a:schemeClr val="tx1"/>
-                </a:solidFill>
-              </a:rPr>
-              <a:t>latexBranch</a:t>
-            </a:r>
-            <a:endParaRPr lang="en-US" dirty="0">
-              <a:solidFill>
-                <a:schemeClr val="tx1"/>
-              </a:solidFill>
-            </a:endParaRPr>
-          </a:p>
-        </p:txBody>
-      </p:sp>
-      <p:cxnSp>
-        <p:nvCxnSpPr>
-          <p:cNvPr id="87" name="Straight Arrow Connector 86"/>
-          <p:cNvCxnSpPr>
-            <a:stCxn id="88" idx="2"/>
-            <a:endCxn id="72" idx="0"/>
-          </p:cNvCxnSpPr>
-          <p:nvPr/>
-        </p:nvCxnSpPr>
-        <p:spPr>
-          <a:xfrm>
-            <a:off x="3062354" y="2778568"/>
-            <a:ext cx="1" cy="293453"/>
-          </a:xfrm>
-          <a:prstGeom prst="straightConnector1">
-            <a:avLst/>
-          </a:prstGeom>
-          <a:ln w="76200">
-            <a:solidFill>
-              <a:schemeClr val="tx1"/>
-            </a:solidFill>
-            <a:tailEnd type="triangle"/>
-          </a:ln>
-        </p:spPr>
-        <p:style>
-          <a:lnRef idx="1">
-            <a:schemeClr val="accent1"/>
-          </a:lnRef>
-          <a:fillRef idx="0">
-            <a:schemeClr val="accent1"/>
-          </a:fillRef>
-          <a:effectRef idx="0">
-            <a:schemeClr val="accent1"/>
-          </a:effectRef>
-          <a:fontRef idx="minor">
-            <a:schemeClr val="tx1"/>
-          </a:fontRef>
-        </p:style>
-      </p:cxnSp>
-      <p:sp>
-        <p:nvSpPr>
-          <p:cNvPr id="88" name="Rounded Rectangle 87"/>
-          <p:cNvSpPr/>
-          <p:nvPr/>
-        </p:nvSpPr>
-        <p:spPr>
-          <a:xfrm>
-            <a:off x="2240198" y="2083624"/>
-            <a:ext cx="1644312" cy="694944"/>
-          </a:xfrm>
-          <a:prstGeom prst="roundRect">
-            <a:avLst/>
-          </a:prstGeom>
-          <a:solidFill>
-            <a:schemeClr val="accent6">
-              <a:lumMod val="60000"/>
-              <a:lumOff val="40000"/>
-            </a:schemeClr>
-          </a:solidFill>
-          <a:ln>
-            <a:noFill/>
-          </a:ln>
-        </p:spPr>
-        <p:style>
-          <a:lnRef idx="2">
-            <a:schemeClr val="accent1">
-              <a:shade val="50000"/>
-            </a:schemeClr>
-          </a:lnRef>
-          <a:fillRef idx="1">
-            <a:schemeClr val="accent1"/>
-          </a:fillRef>
-          <a:effectRef idx="0">
-            <a:schemeClr val="accent1"/>
-          </a:effectRef>
-          <a:fontRef idx="minor">
-            <a:schemeClr val="lt1"/>
-          </a:fontRef>
-        </p:style>
-        <p:txBody>
-          <a:bodyPr rtlCol="0" anchor="ctr"/>
-          <a:lstStyle/>
-          <a:p>
-            <a:pPr algn="ctr"/>
-            <a:r>
-              <a:rPr lang="en-US" sz="2000" dirty="0" smtClean="0">
-                <a:solidFill>
-                  <a:schemeClr val="tx1"/>
-                </a:solidFill>
-              </a:rPr>
-              <a:t>master</a:t>
-            </a:r>
-            <a:endParaRPr lang="en-US" dirty="0">
-              <a:solidFill>
-                <a:schemeClr val="tx1"/>
-              </a:solidFill>
-            </a:endParaRPr>
-          </a:p>
-        </p:txBody>
-      </p:sp>
-      <p:cxnSp>
-        <p:nvCxnSpPr>
-          <p:cNvPr id="94" name="Straight Arrow Connector 93"/>
-          <p:cNvCxnSpPr>
-            <a:stCxn id="95" idx="3"/>
-            <a:endCxn id="86" idx="1"/>
-          </p:cNvCxnSpPr>
-          <p:nvPr/>
-        </p:nvCxnSpPr>
-        <p:spPr>
-          <a:xfrm>
-            <a:off x="4067083" y="5849849"/>
-            <a:ext cx="851177" cy="0"/>
-          </a:xfrm>
-          <a:prstGeom prst="straightConnector1">
-            <a:avLst/>
-          </a:prstGeom>
-          <a:ln w="76200">
-            <a:solidFill>
-              <a:schemeClr val="tx1"/>
-            </a:solidFill>
-            <a:tailEnd type="triangle"/>
-          </a:ln>
-        </p:spPr>
-        <p:style>
-          <a:lnRef idx="1">
-            <a:schemeClr val="accent1"/>
-          </a:lnRef>
-          <a:fillRef idx="0">
-            <a:schemeClr val="accent1"/>
-          </a:fillRef>
-          <a:effectRef idx="0">
-            <a:schemeClr val="accent1"/>
-          </a:effectRef>
-          <a:fontRef idx="minor">
-            <a:schemeClr val="tx1"/>
-          </a:fontRef>
-        </p:style>
-      </p:cxnSp>
-      <p:sp>
-        <p:nvSpPr>
-          <p:cNvPr id="95" name="Rounded Rectangle 94"/>
-          <p:cNvSpPr/>
-          <p:nvPr/>
-        </p:nvSpPr>
-        <p:spPr>
-          <a:xfrm>
-            <a:off x="2422771" y="5502377"/>
-            <a:ext cx="1644312" cy="694944"/>
-          </a:xfrm>
-          <a:prstGeom prst="roundRect">
-            <a:avLst/>
-          </a:prstGeom>
-          <a:solidFill>
-            <a:schemeClr val="bg1">
-              <a:lumMod val="75000"/>
-            </a:schemeClr>
-          </a:solidFill>
-          <a:ln>
-            <a:noFill/>
-          </a:ln>
-        </p:spPr>
-        <p:style>
-          <a:lnRef idx="2">
-            <a:schemeClr val="accent1">
-              <a:shade val="50000"/>
-            </a:schemeClr>
-          </a:lnRef>
-          <a:fillRef idx="1">
-            <a:schemeClr val="accent1"/>
-          </a:fillRef>
-          <a:effectRef idx="0">
-            <a:schemeClr val="accent1"/>
-          </a:effectRef>
-          <a:fontRef idx="minor">
-            <a:schemeClr val="lt1"/>
-          </a:fontRef>
-        </p:style>
-        <p:txBody>
-          <a:bodyPr rtlCol="0" anchor="ctr"/>
-          <a:lstStyle/>
-          <a:p>
-            <a:pPr algn="ctr"/>
-            <a:r>
-              <a:rPr lang="en-US" sz="2000" dirty="0" smtClean="0">
-                <a:solidFill>
-                  <a:schemeClr val="tx1"/>
-                </a:solidFill>
-              </a:rPr>
-              <a:t>HEAD</a:t>
-            </a:r>
-            <a:endParaRPr lang="en-US" dirty="0">
-              <a:solidFill>
-                <a:schemeClr val="tx1"/>
-              </a:solidFill>
-            </a:endParaRPr>
-          </a:p>
-        </p:txBody>
-      </p:sp>
-      <p:sp>
-        <p:nvSpPr>
-          <p:cNvPr id="98" name="Rectangle 97"/>
-          <p:cNvSpPr/>
-          <p:nvPr/>
-        </p:nvSpPr>
-        <p:spPr>
-          <a:xfrm>
-            <a:off x="7536622" y="4571486"/>
-            <a:ext cx="1899985" cy="2505970"/>
-          </a:xfrm>
-          <a:prstGeom prst="rect">
-            <a:avLst/>
-          </a:prstGeom>
-          <a:noFill/>
-        </p:spPr>
-        <p:style>
-          <a:lnRef idx="2">
-            <a:schemeClr val="accent1">
-              <a:shade val="50000"/>
-            </a:schemeClr>
-          </a:lnRef>
-          <a:fillRef idx="1">
-            <a:schemeClr val="accent1"/>
-          </a:fillRef>
-          <a:effectRef idx="0">
-            <a:schemeClr val="accent1"/>
-          </a:effectRef>
-          <a:fontRef idx="minor">
-            <a:schemeClr val="lt1"/>
-          </a:fontRef>
-        </p:style>
-        <p:txBody>
-          <a:bodyPr rtlCol="0" anchor="ctr"/>
-          <a:lstStyle/>
-          <a:p>
-            <a:pPr algn="ctr"/>
-            <a:endParaRPr lang="en-US"/>
+              <a:rPr lang="en-US" sz="2200" dirty="0" smtClean="0"/>
+              <a:t>...</a:t>
+            </a:r>
+            <a:r>
+              <a:rPr lang="en-US" sz="2200" dirty="0" err="1" smtClean="0"/>
+              <a:t>git</a:t>
+            </a:r>
+            <a:r>
+              <a:rPr lang="en-US" sz="2200" dirty="0" smtClean="0"/>
+              <a:t> is extraordinarily feature-rich, and can take a very long time to learn. The most essential features, though, are straightforward</a:t>
+            </a:r>
+            <a:endParaRPr lang="en-US" sz="2200" i="1" dirty="0"/>
           </a:p>
         </p:txBody>
       </p:sp>
     </p:spTree>
     <p:extLst>
       <p:ext uri="{BB962C8B-B14F-4D97-AF65-F5344CB8AC3E}">
-        <p14:creationId xmlns:p14="http://schemas.microsoft.com/office/powerpoint/2010/main" val="1132773700"/>
+        <p14:creationId xmlns:p14="http://schemas.microsoft.com/office/powerpoint/2010/main" val="1475864544"/>
       </p:ext>
     </p:extLst>
   </p:cSld>
@@ -28316,19 +28355,24 @@
       </p:grpSpPr>
       <p:sp>
         <p:nvSpPr>
-          <p:cNvPr id="4" name="TextBox 3"/>
+          <p:cNvPr id="27" name="TextBox 26"/>
           <p:cNvSpPr txBox="1"/>
           <p:nvPr/>
         </p:nvSpPr>
         <p:spPr>
           <a:xfrm>
-            <a:off x="884118" y="709175"/>
-            <a:ext cx="8259882" cy="646331"/>
+            <a:off x="4067083" y="1533108"/>
+            <a:ext cx="5223221" cy="1938992"/>
           </a:xfrm>
           <a:prstGeom prst="rect">
             <a:avLst/>
           </a:prstGeom>
-          <a:noFill/>
+          <a:solidFill>
+            <a:schemeClr val="accent2">
+              <a:lumMod val="40000"/>
+              <a:lumOff val="60000"/>
+            </a:schemeClr>
+          </a:solidFill>
         </p:spPr>
         <p:txBody>
           <a:bodyPr wrap="square" rtlCol="0">
@@ -28337,31 +28381,97 @@
           <a:lstStyle/>
           <a:p>
             <a:r>
-              <a:rPr lang="en-US" sz="3600" dirty="0" smtClean="0"/>
-              <a:t>Bringing branches back together: </a:t>
-            </a:r>
-            <a:r>
-              <a:rPr lang="en-US" sz="3600" i="1" dirty="0" err="1" smtClean="0"/>
+              <a:rPr lang="en-US" sz="2400" dirty="0" smtClean="0"/>
+              <a:t>$ </a:t>
+            </a:r>
+            <a:r>
+              <a:rPr lang="en-US" sz="2400" dirty="0" err="1" smtClean="0"/>
               <a:t>git</a:t>
             </a:r>
             <a:r>
-              <a:rPr lang="en-US" sz="3600" i="1" dirty="0" smtClean="0"/>
-              <a:t> merge</a:t>
-            </a:r>
-            <a:endParaRPr lang="en-US" sz="3600" dirty="0"/>
-          </a:p>
-        </p:txBody>
-      </p:sp>
-      <p:sp>
-        <p:nvSpPr>
-          <p:cNvPr id="22" name="TextBox 21"/>
+              <a:rPr lang="en-US" sz="2400" dirty="0" smtClean="0"/>
+              <a:t> checkout </a:t>
+            </a:r>
+            <a:r>
+              <a:rPr lang="en-US" sz="2400" dirty="0" err="1" smtClean="0"/>
+              <a:t>latexBranch</a:t>
+            </a:r>
+            <a:endParaRPr lang="en-US" sz="2400" dirty="0" smtClean="0"/>
+          </a:p>
+          <a:p>
+            <a:r>
+              <a:rPr lang="en-US" sz="2400" dirty="0" smtClean="0"/>
+              <a:t>$ </a:t>
+            </a:r>
+            <a:r>
+              <a:rPr lang="en-US" sz="2400" dirty="0"/>
+              <a:t>mv </a:t>
+            </a:r>
+            <a:r>
+              <a:rPr lang="en-US" sz="2400" dirty="0" smtClean="0"/>
+              <a:t>chapter3.rtf chapter3.tex</a:t>
+            </a:r>
+            <a:endParaRPr lang="en-US" sz="2400" dirty="0"/>
+          </a:p>
+          <a:p>
+            <a:r>
+              <a:rPr lang="en-US" sz="2400" dirty="0"/>
+              <a:t>$ vim </a:t>
+            </a:r>
+            <a:r>
+              <a:rPr lang="en-US" sz="2400" dirty="0" smtClean="0"/>
+              <a:t>chapter3.tex</a:t>
+            </a:r>
+            <a:r>
+              <a:rPr lang="en-US" sz="2400" dirty="0"/>
+              <a:t> </a:t>
+            </a:r>
+          </a:p>
+          <a:p>
+            <a:r>
+              <a:rPr lang="en-US" sz="2400" dirty="0"/>
+              <a:t>$ </a:t>
+            </a:r>
+            <a:r>
+              <a:rPr lang="en-US" sz="2400" dirty="0" err="1"/>
+              <a:t>git</a:t>
+            </a:r>
+            <a:r>
+              <a:rPr lang="en-US" sz="2400" dirty="0"/>
+              <a:t> add --all </a:t>
+            </a:r>
+          </a:p>
+          <a:p>
+            <a:r>
+              <a:rPr lang="en-US" sz="2400" dirty="0"/>
+              <a:t>$</a:t>
+            </a:r>
+            <a:r>
+              <a:rPr lang="en-US" sz="2400" dirty="0" err="1"/>
+              <a:t>git</a:t>
+            </a:r>
+            <a:r>
+              <a:rPr lang="en-US" sz="2400" dirty="0"/>
+              <a:t> commit -m ”converted </a:t>
+            </a:r>
+            <a:r>
+              <a:rPr lang="en-US" sz="2400" dirty="0" smtClean="0"/>
+              <a:t>chapter 3”</a:t>
+            </a:r>
+            <a:endParaRPr lang="en-US" sz="2400" dirty="0"/>
+          </a:p>
+        </p:txBody>
+      </p:sp>
+      <p:sp>
+        <p:nvSpPr>
+          <p:cNvPr id="4" name="TextBox 3"/>
           <p:cNvSpPr txBox="1"/>
           <p:nvPr/>
         </p:nvSpPr>
         <p:spPr>
           <a:xfrm>
-            <a:off x="1106884" y="2420049"/>
-            <a:ext cx="7882608" cy="954107"/>
+            <a:off x="884118" y="709175"/>
+            <a:ext cx="7912410" cy="646331"/>
           </a:xfrm>
           <a:prstGeom prst="rect">
             <a:avLst/>
@@ -28375,68 +28485,35 @@
           <a:lstStyle/>
           <a:p>
             <a:r>
-              <a:rPr lang="en-US" sz="2800" i="1" dirty="0" smtClean="0"/>
-              <a:t>Okay, I think it’s time to merge the experimental </a:t>
-            </a:r>
-            <a:r>
-              <a:rPr lang="en-US" sz="2800" i="1" dirty="0" err="1" smtClean="0"/>
-              <a:t>laTeX</a:t>
-            </a:r>
-            <a:r>
-              <a:rPr lang="en-US" sz="2800" i="1" dirty="0" smtClean="0"/>
-              <a:t> branch with the rest of my thesis!</a:t>
-            </a:r>
-          </a:p>
-        </p:txBody>
-      </p:sp>
-      <p:pic>
-        <p:nvPicPr>
-          <p:cNvPr id="6" name="Picture 5"/>
-          <p:cNvPicPr>
-            <a:picLocks noChangeAspect="1"/>
-          </p:cNvPicPr>
-          <p:nvPr/>
-        </p:nvPicPr>
-        <p:blipFill rotWithShape="1">
-          <a:blip r:embed="rId2"/>
-          <a:srcRect t="8762" r="37486"/>
-          <a:stretch/>
-        </p:blipFill>
-        <p:spPr>
-          <a:xfrm>
-            <a:off x="163115" y="4215360"/>
-            <a:ext cx="1887537" cy="2331744"/>
-          </a:xfrm>
-          <a:prstGeom prst="rect">
-            <a:avLst/>
-          </a:prstGeom>
-        </p:spPr>
-      </p:pic>
-      <p:sp>
-        <p:nvSpPr>
-          <p:cNvPr id="2" name="Rounded Rectangular Callout 1"/>
+              <a:rPr lang="en-US" sz="3600" dirty="0" smtClean="0"/>
+              <a:t>Let’s finish this thesis...</a:t>
+            </a:r>
+            <a:endParaRPr lang="en-US" sz="3600" dirty="0"/>
+          </a:p>
+        </p:txBody>
+      </p:sp>
+      <p:sp>
+        <p:nvSpPr>
+          <p:cNvPr id="28" name="Rounded Rectangle 27"/>
           <p:cNvSpPr/>
           <p:nvPr/>
         </p:nvSpPr>
         <p:spPr>
           <a:xfrm>
-            <a:off x="884118" y="1844000"/>
-            <a:ext cx="7912410" cy="2106207"/>
-          </a:xfrm>
-          <a:prstGeom prst="wedgeRoundRectCallout">
-            <a:avLst>
-              <a:gd name="adj1" fmla="val -41635"/>
-              <a:gd name="adj2" fmla="val 110256"/>
-              <a:gd name="adj3" fmla="val 16667"/>
-            </a:avLst>
+            <a:off x="7751198" y="4700956"/>
+            <a:ext cx="1146777" cy="694944"/>
+          </a:xfrm>
+          <a:prstGeom prst="roundRect">
+            <a:avLst/>
           </a:prstGeom>
           <a:solidFill>
-            <a:schemeClr val="accent1">
-              <a:lumMod val="40000"/>
-              <a:lumOff val="60000"/>
-              <a:alpha val="41000"/>
+            <a:schemeClr val="bg1">
+              <a:lumMod val="75000"/>
             </a:schemeClr>
           </a:solidFill>
+          <a:ln>
+            <a:noFill/>
+          </a:ln>
         </p:spPr>
         <p:style>
           <a:lnRef idx="2">
@@ -28459,6 +28536,1000 @@
           <a:lstStyle/>
           <a:p>
             <a:pPr algn="ctr"/>
+            <a:r>
+              <a:rPr lang="en-US" sz="2000" dirty="0" smtClean="0">
+                <a:solidFill>
+                  <a:schemeClr val="tx1"/>
+                </a:solidFill>
+              </a:rPr>
+              <a:t>HEAD </a:t>
+            </a:r>
+          </a:p>
+        </p:txBody>
+      </p:sp>
+      <p:sp>
+        <p:nvSpPr>
+          <p:cNvPr id="46" name="Rectangle 45"/>
+          <p:cNvSpPr/>
+          <p:nvPr/>
+        </p:nvSpPr>
+        <p:spPr>
+          <a:xfrm>
+            <a:off x="7667638" y="5502377"/>
+            <a:ext cx="1230337" cy="338554"/>
+          </a:xfrm>
+          <a:prstGeom prst="rect">
+            <a:avLst/>
+          </a:prstGeom>
+        </p:spPr>
+        <p:txBody>
+          <a:bodyPr wrap="none">
+            <a:spAutoFit/>
+          </a:bodyPr>
+          <a:lstStyle/>
+          <a:p>
+            <a:r>
+              <a:rPr lang="en-US" sz="1600" dirty="0" smtClean="0"/>
+              <a:t>chapter1.tex</a:t>
+            </a:r>
+            <a:endParaRPr lang="en-US" sz="1600" dirty="0"/>
+          </a:p>
+        </p:txBody>
+      </p:sp>
+      <p:sp>
+        <p:nvSpPr>
+          <p:cNvPr id="47" name="Rectangle 46"/>
+          <p:cNvSpPr/>
+          <p:nvPr/>
+        </p:nvSpPr>
+        <p:spPr>
+          <a:xfrm>
+            <a:off x="7667639" y="5840931"/>
+            <a:ext cx="1230337" cy="338554"/>
+          </a:xfrm>
+          <a:prstGeom prst="rect">
+            <a:avLst/>
+          </a:prstGeom>
+        </p:spPr>
+        <p:txBody>
+          <a:bodyPr wrap="none">
+            <a:spAutoFit/>
+          </a:bodyPr>
+          <a:lstStyle/>
+          <a:p>
+            <a:r>
+              <a:rPr lang="en-US" sz="1600" dirty="0" smtClean="0"/>
+              <a:t>chapter2.tex</a:t>
+            </a:r>
+            <a:endParaRPr lang="en-US" sz="1600" dirty="0"/>
+          </a:p>
+        </p:txBody>
+      </p:sp>
+      <p:sp>
+        <p:nvSpPr>
+          <p:cNvPr id="48" name="Rectangle 47"/>
+          <p:cNvSpPr/>
+          <p:nvPr/>
+        </p:nvSpPr>
+        <p:spPr>
+          <a:xfrm>
+            <a:off x="7667638" y="6179576"/>
+            <a:ext cx="1230337" cy="338554"/>
+          </a:xfrm>
+          <a:prstGeom prst="rect">
+            <a:avLst/>
+          </a:prstGeom>
+        </p:spPr>
+        <p:txBody>
+          <a:bodyPr wrap="none">
+            <a:spAutoFit/>
+          </a:bodyPr>
+          <a:lstStyle/>
+          <a:p>
+            <a:r>
+              <a:rPr lang="en-US" sz="1600" dirty="0" smtClean="0"/>
+              <a:t>chapter3.tex</a:t>
+            </a:r>
+            <a:endParaRPr lang="en-US" sz="1600" dirty="0"/>
+          </a:p>
+        </p:txBody>
+      </p:sp>
+      <p:sp>
+        <p:nvSpPr>
+          <p:cNvPr id="71" name="Oval 70"/>
+          <p:cNvSpPr/>
+          <p:nvPr/>
+        </p:nvSpPr>
+        <p:spPr>
+          <a:xfrm>
+            <a:off x="151738" y="3072021"/>
+            <a:ext cx="859263" cy="737713"/>
+          </a:xfrm>
+          <a:prstGeom prst="ellipse">
+            <a:avLst/>
+          </a:prstGeom>
+          <a:solidFill>
+            <a:schemeClr val="accent1">
+              <a:lumMod val="40000"/>
+              <a:lumOff val="60000"/>
+            </a:schemeClr>
+          </a:solidFill>
+          <a:ln>
+            <a:noFill/>
+          </a:ln>
+        </p:spPr>
+        <p:style>
+          <a:lnRef idx="2">
+            <a:schemeClr val="accent1">
+              <a:shade val="50000"/>
+            </a:schemeClr>
+          </a:lnRef>
+          <a:fillRef idx="1">
+            <a:schemeClr val="accent1"/>
+          </a:fillRef>
+          <a:effectRef idx="0">
+            <a:schemeClr val="accent1"/>
+          </a:effectRef>
+          <a:fontRef idx="minor">
+            <a:schemeClr val="lt1"/>
+          </a:fontRef>
+        </p:style>
+        <p:txBody>
+          <a:bodyPr rtlCol="0" anchor="ctr"/>
+          <a:lstStyle/>
+          <a:p>
+            <a:pPr algn="ctr"/>
+            <a:r>
+              <a:rPr lang="en-US" sz="3200" b="1" dirty="0" smtClean="0">
+                <a:solidFill>
+                  <a:srgbClr val="FF0000"/>
+                </a:solidFill>
+              </a:rPr>
+              <a:t>C0</a:t>
+            </a:r>
+            <a:endParaRPr lang="en-US" sz="3200" b="1" dirty="0">
+              <a:solidFill>
+                <a:srgbClr val="FF0000"/>
+              </a:solidFill>
+            </a:endParaRPr>
+          </a:p>
+        </p:txBody>
+      </p:sp>
+      <p:sp>
+        <p:nvSpPr>
+          <p:cNvPr id="72" name="Oval 71"/>
+          <p:cNvSpPr/>
+          <p:nvPr/>
+        </p:nvSpPr>
+        <p:spPr>
+          <a:xfrm>
+            <a:off x="2632723" y="3072021"/>
+            <a:ext cx="859263" cy="737713"/>
+          </a:xfrm>
+          <a:prstGeom prst="ellipse">
+            <a:avLst/>
+          </a:prstGeom>
+          <a:solidFill>
+            <a:schemeClr val="accent1">
+              <a:lumMod val="40000"/>
+              <a:lumOff val="60000"/>
+            </a:schemeClr>
+          </a:solidFill>
+          <a:ln>
+            <a:noFill/>
+          </a:ln>
+        </p:spPr>
+        <p:style>
+          <a:lnRef idx="2">
+            <a:schemeClr val="accent1">
+              <a:shade val="50000"/>
+            </a:schemeClr>
+          </a:lnRef>
+          <a:fillRef idx="1">
+            <a:schemeClr val="accent1"/>
+          </a:fillRef>
+          <a:effectRef idx="0">
+            <a:schemeClr val="accent1"/>
+          </a:effectRef>
+          <a:fontRef idx="minor">
+            <a:schemeClr val="lt1"/>
+          </a:fontRef>
+        </p:style>
+        <p:txBody>
+          <a:bodyPr rtlCol="0" anchor="ctr"/>
+          <a:lstStyle/>
+          <a:p>
+            <a:pPr algn="ctr"/>
+            <a:r>
+              <a:rPr lang="en-US" sz="3200" b="1" dirty="0" smtClean="0">
+                <a:solidFill>
+                  <a:srgbClr val="FF0000"/>
+                </a:solidFill>
+              </a:rPr>
+              <a:t>C4</a:t>
+            </a:r>
+            <a:endParaRPr lang="en-US" sz="3200" b="1" dirty="0">
+              <a:solidFill>
+                <a:srgbClr val="FF0000"/>
+              </a:solidFill>
+            </a:endParaRPr>
+          </a:p>
+        </p:txBody>
+      </p:sp>
+      <p:sp>
+        <p:nvSpPr>
+          <p:cNvPr id="73" name="Oval 72"/>
+          <p:cNvSpPr/>
+          <p:nvPr/>
+        </p:nvSpPr>
+        <p:spPr>
+          <a:xfrm>
+            <a:off x="1403526" y="3072021"/>
+            <a:ext cx="859263" cy="737713"/>
+          </a:xfrm>
+          <a:prstGeom prst="ellipse">
+            <a:avLst/>
+          </a:prstGeom>
+          <a:solidFill>
+            <a:schemeClr val="accent1">
+              <a:lumMod val="40000"/>
+              <a:lumOff val="60000"/>
+            </a:schemeClr>
+          </a:solidFill>
+          <a:ln>
+            <a:noFill/>
+          </a:ln>
+        </p:spPr>
+        <p:style>
+          <a:lnRef idx="2">
+            <a:schemeClr val="accent1">
+              <a:shade val="50000"/>
+            </a:schemeClr>
+          </a:lnRef>
+          <a:fillRef idx="1">
+            <a:schemeClr val="accent1"/>
+          </a:fillRef>
+          <a:effectRef idx="0">
+            <a:schemeClr val="accent1"/>
+          </a:effectRef>
+          <a:fontRef idx="minor">
+            <a:schemeClr val="lt1"/>
+          </a:fontRef>
+        </p:style>
+        <p:txBody>
+          <a:bodyPr rtlCol="0" anchor="ctr"/>
+          <a:lstStyle/>
+          <a:p>
+            <a:pPr algn="ctr"/>
+            <a:r>
+              <a:rPr lang="en-US" sz="3200" b="1" dirty="0" smtClean="0">
+                <a:solidFill>
+                  <a:srgbClr val="FF0000"/>
+                </a:solidFill>
+              </a:rPr>
+              <a:t>C1</a:t>
+            </a:r>
+            <a:endParaRPr lang="en-US" sz="3200" b="1" dirty="0">
+              <a:solidFill>
+                <a:srgbClr val="FF0000"/>
+              </a:solidFill>
+            </a:endParaRPr>
+          </a:p>
+        </p:txBody>
+      </p:sp>
+      <p:sp>
+        <p:nvSpPr>
+          <p:cNvPr id="74" name="Oval 73"/>
+          <p:cNvSpPr/>
+          <p:nvPr/>
+        </p:nvSpPr>
+        <p:spPr>
+          <a:xfrm>
+            <a:off x="3907102" y="4333893"/>
+            <a:ext cx="859263" cy="737713"/>
+          </a:xfrm>
+          <a:prstGeom prst="ellipse">
+            <a:avLst/>
+          </a:prstGeom>
+          <a:solidFill>
+            <a:schemeClr val="accent1">
+              <a:lumMod val="40000"/>
+              <a:lumOff val="60000"/>
+            </a:schemeClr>
+          </a:solidFill>
+          <a:ln>
+            <a:noFill/>
+          </a:ln>
+        </p:spPr>
+        <p:style>
+          <a:lnRef idx="2">
+            <a:schemeClr val="accent1">
+              <a:shade val="50000"/>
+            </a:schemeClr>
+          </a:lnRef>
+          <a:fillRef idx="1">
+            <a:schemeClr val="accent1"/>
+          </a:fillRef>
+          <a:effectRef idx="0">
+            <a:schemeClr val="accent1"/>
+          </a:effectRef>
+          <a:fontRef idx="minor">
+            <a:schemeClr val="lt1"/>
+          </a:fontRef>
+        </p:style>
+        <p:txBody>
+          <a:bodyPr rtlCol="0" anchor="ctr"/>
+          <a:lstStyle/>
+          <a:p>
+            <a:pPr algn="ctr"/>
+            <a:r>
+              <a:rPr lang="en-US" sz="3200" b="1" dirty="0" smtClean="0">
+                <a:solidFill>
+                  <a:srgbClr val="FF0000"/>
+                </a:solidFill>
+              </a:rPr>
+              <a:t>C3</a:t>
+            </a:r>
+            <a:endParaRPr lang="en-US" sz="3200" b="1" dirty="0">
+              <a:solidFill>
+                <a:srgbClr val="FF0000"/>
+              </a:solidFill>
+            </a:endParaRPr>
+          </a:p>
+        </p:txBody>
+      </p:sp>
+      <p:sp>
+        <p:nvSpPr>
+          <p:cNvPr id="75" name="Oval 74"/>
+          <p:cNvSpPr/>
+          <p:nvPr/>
+        </p:nvSpPr>
+        <p:spPr>
+          <a:xfrm>
+            <a:off x="2655314" y="4333893"/>
+            <a:ext cx="859263" cy="737713"/>
+          </a:xfrm>
+          <a:prstGeom prst="ellipse">
+            <a:avLst/>
+          </a:prstGeom>
+          <a:solidFill>
+            <a:schemeClr val="accent1">
+              <a:lumMod val="40000"/>
+              <a:lumOff val="60000"/>
+            </a:schemeClr>
+          </a:solidFill>
+          <a:ln>
+            <a:noFill/>
+          </a:ln>
+        </p:spPr>
+        <p:style>
+          <a:lnRef idx="2">
+            <a:schemeClr val="accent1">
+              <a:shade val="50000"/>
+            </a:schemeClr>
+          </a:lnRef>
+          <a:fillRef idx="1">
+            <a:schemeClr val="accent1"/>
+          </a:fillRef>
+          <a:effectRef idx="0">
+            <a:schemeClr val="accent1"/>
+          </a:effectRef>
+          <a:fontRef idx="minor">
+            <a:schemeClr val="lt1"/>
+          </a:fontRef>
+        </p:style>
+        <p:txBody>
+          <a:bodyPr rtlCol="0" anchor="ctr"/>
+          <a:lstStyle/>
+          <a:p>
+            <a:pPr algn="ctr"/>
+            <a:r>
+              <a:rPr lang="en-US" sz="3200" b="1" dirty="0" smtClean="0">
+                <a:solidFill>
+                  <a:srgbClr val="FF0000"/>
+                </a:solidFill>
+              </a:rPr>
+              <a:t>C2</a:t>
+            </a:r>
+            <a:endParaRPr lang="en-US" sz="3200" b="1" dirty="0">
+              <a:solidFill>
+                <a:srgbClr val="FF0000"/>
+              </a:solidFill>
+            </a:endParaRPr>
+          </a:p>
+        </p:txBody>
+      </p:sp>
+      <p:sp>
+        <p:nvSpPr>
+          <p:cNvPr id="76" name="Oval 75"/>
+          <p:cNvSpPr/>
+          <p:nvPr/>
+        </p:nvSpPr>
+        <p:spPr>
+          <a:xfrm>
+            <a:off x="5310784" y="4333893"/>
+            <a:ext cx="859263" cy="737713"/>
+          </a:xfrm>
+          <a:prstGeom prst="ellipse">
+            <a:avLst/>
+          </a:prstGeom>
+          <a:solidFill>
+            <a:schemeClr val="accent1">
+              <a:lumMod val="40000"/>
+              <a:lumOff val="60000"/>
+            </a:schemeClr>
+          </a:solidFill>
+          <a:ln>
+            <a:noFill/>
+          </a:ln>
+        </p:spPr>
+        <p:style>
+          <a:lnRef idx="2">
+            <a:schemeClr val="accent1">
+              <a:shade val="50000"/>
+            </a:schemeClr>
+          </a:lnRef>
+          <a:fillRef idx="1">
+            <a:schemeClr val="accent1"/>
+          </a:fillRef>
+          <a:effectRef idx="0">
+            <a:schemeClr val="accent1"/>
+          </a:effectRef>
+          <a:fontRef idx="minor">
+            <a:schemeClr val="lt1"/>
+          </a:fontRef>
+        </p:style>
+        <p:txBody>
+          <a:bodyPr rtlCol="0" anchor="ctr"/>
+          <a:lstStyle/>
+          <a:p>
+            <a:pPr algn="ctr"/>
+            <a:r>
+              <a:rPr lang="en-US" sz="3200" b="1" dirty="0" smtClean="0">
+                <a:solidFill>
+                  <a:srgbClr val="FF0000"/>
+                </a:solidFill>
+              </a:rPr>
+              <a:t>C5</a:t>
+            </a:r>
+            <a:endParaRPr lang="en-US" sz="3200" b="1" dirty="0">
+              <a:solidFill>
+                <a:srgbClr val="FF0000"/>
+              </a:solidFill>
+            </a:endParaRPr>
+          </a:p>
+        </p:txBody>
+      </p:sp>
+      <p:cxnSp>
+        <p:nvCxnSpPr>
+          <p:cNvPr id="78" name="Straight Arrow Connector 77"/>
+          <p:cNvCxnSpPr>
+            <a:stCxn id="74" idx="2"/>
+            <a:endCxn id="71" idx="6"/>
+          </p:cNvCxnSpPr>
+          <p:nvPr/>
+        </p:nvCxnSpPr>
+        <p:spPr>
+          <a:xfrm flipH="1">
+            <a:off x="1011001" y="3440878"/>
+            <a:ext cx="392525" cy="0"/>
+          </a:xfrm>
+          <a:prstGeom prst="straightConnector1">
+            <a:avLst/>
+          </a:prstGeom>
+          <a:ln w="76200">
+            <a:solidFill>
+              <a:schemeClr val="tx1"/>
+            </a:solidFill>
+            <a:tailEnd type="triangle"/>
+          </a:ln>
+        </p:spPr>
+        <p:style>
+          <a:lnRef idx="1">
+            <a:schemeClr val="accent1"/>
+          </a:lnRef>
+          <a:fillRef idx="0">
+            <a:schemeClr val="accent1"/>
+          </a:fillRef>
+          <a:effectRef idx="0">
+            <a:schemeClr val="accent1"/>
+          </a:effectRef>
+          <a:fontRef idx="minor">
+            <a:schemeClr val="tx1"/>
+          </a:fontRef>
+        </p:style>
+      </p:cxnSp>
+      <p:cxnSp>
+        <p:nvCxnSpPr>
+          <p:cNvPr id="79" name="Straight Arrow Connector 78"/>
+          <p:cNvCxnSpPr>
+            <a:stCxn id="74" idx="2"/>
+            <a:endCxn id="75" idx="6"/>
+          </p:cNvCxnSpPr>
+          <p:nvPr/>
+        </p:nvCxnSpPr>
+        <p:spPr>
+          <a:xfrm flipH="1">
+            <a:off x="3514577" y="4702750"/>
+            <a:ext cx="392525" cy="0"/>
+          </a:xfrm>
+          <a:prstGeom prst="straightConnector1">
+            <a:avLst/>
+          </a:prstGeom>
+          <a:ln w="76200">
+            <a:solidFill>
+              <a:schemeClr val="tx1"/>
+            </a:solidFill>
+            <a:tailEnd type="triangle"/>
+          </a:ln>
+        </p:spPr>
+        <p:style>
+          <a:lnRef idx="1">
+            <a:schemeClr val="accent1"/>
+          </a:lnRef>
+          <a:fillRef idx="0">
+            <a:schemeClr val="accent1"/>
+          </a:fillRef>
+          <a:effectRef idx="0">
+            <a:schemeClr val="accent1"/>
+          </a:effectRef>
+          <a:fontRef idx="minor">
+            <a:schemeClr val="tx1"/>
+          </a:fontRef>
+        </p:style>
+      </p:cxnSp>
+      <p:cxnSp>
+        <p:nvCxnSpPr>
+          <p:cNvPr id="80" name="Straight Arrow Connector 79"/>
+          <p:cNvCxnSpPr>
+            <a:endCxn id="73" idx="5"/>
+          </p:cNvCxnSpPr>
+          <p:nvPr/>
+        </p:nvCxnSpPr>
+        <p:spPr>
+          <a:xfrm flipH="1" flipV="1">
+            <a:off x="2136953" y="3701698"/>
+            <a:ext cx="697687" cy="740231"/>
+          </a:xfrm>
+          <a:prstGeom prst="straightConnector1">
+            <a:avLst/>
+          </a:prstGeom>
+          <a:ln w="76200">
+            <a:solidFill>
+              <a:schemeClr val="tx1"/>
+            </a:solidFill>
+            <a:tailEnd type="triangle"/>
+          </a:ln>
+        </p:spPr>
+        <p:style>
+          <a:lnRef idx="1">
+            <a:schemeClr val="accent1"/>
+          </a:lnRef>
+          <a:fillRef idx="0">
+            <a:schemeClr val="accent1"/>
+          </a:fillRef>
+          <a:effectRef idx="0">
+            <a:schemeClr val="accent1"/>
+          </a:effectRef>
+          <a:fontRef idx="minor">
+            <a:schemeClr val="tx1"/>
+          </a:fontRef>
+        </p:style>
+      </p:cxnSp>
+      <p:cxnSp>
+        <p:nvCxnSpPr>
+          <p:cNvPr id="81" name="Straight Arrow Connector 80"/>
+          <p:cNvCxnSpPr>
+            <a:stCxn id="72" idx="2"/>
+            <a:endCxn id="73" idx="6"/>
+          </p:cNvCxnSpPr>
+          <p:nvPr/>
+        </p:nvCxnSpPr>
+        <p:spPr>
+          <a:xfrm flipH="1">
+            <a:off x="2262789" y="3440878"/>
+            <a:ext cx="369934" cy="0"/>
+          </a:xfrm>
+          <a:prstGeom prst="straightConnector1">
+            <a:avLst/>
+          </a:prstGeom>
+          <a:ln w="76200">
+            <a:solidFill>
+              <a:schemeClr val="tx1"/>
+            </a:solidFill>
+            <a:tailEnd type="triangle"/>
+          </a:ln>
+        </p:spPr>
+        <p:style>
+          <a:lnRef idx="1">
+            <a:schemeClr val="accent1"/>
+          </a:lnRef>
+          <a:fillRef idx="0">
+            <a:schemeClr val="accent1"/>
+          </a:fillRef>
+          <a:effectRef idx="0">
+            <a:schemeClr val="accent1"/>
+          </a:effectRef>
+          <a:fontRef idx="minor">
+            <a:schemeClr val="tx1"/>
+          </a:fontRef>
+        </p:style>
+      </p:cxnSp>
+      <p:cxnSp>
+        <p:nvCxnSpPr>
+          <p:cNvPr id="82" name="Straight Arrow Connector 81"/>
+          <p:cNvCxnSpPr>
+            <a:stCxn id="76" idx="2"/>
+            <a:endCxn id="74" idx="6"/>
+          </p:cNvCxnSpPr>
+          <p:nvPr/>
+        </p:nvCxnSpPr>
+        <p:spPr>
+          <a:xfrm flipH="1">
+            <a:off x="4766365" y="4702750"/>
+            <a:ext cx="544419" cy="0"/>
+          </a:xfrm>
+          <a:prstGeom prst="straightConnector1">
+            <a:avLst/>
+          </a:prstGeom>
+          <a:ln w="76200">
+            <a:solidFill>
+              <a:schemeClr val="tx1"/>
+            </a:solidFill>
+            <a:tailEnd type="triangle"/>
+          </a:ln>
+        </p:spPr>
+        <p:style>
+          <a:lnRef idx="1">
+            <a:schemeClr val="accent1"/>
+          </a:lnRef>
+          <a:fillRef idx="0">
+            <a:schemeClr val="accent1"/>
+          </a:fillRef>
+          <a:effectRef idx="0">
+            <a:schemeClr val="accent1"/>
+          </a:effectRef>
+          <a:fontRef idx="minor">
+            <a:schemeClr val="tx1"/>
+          </a:fontRef>
+        </p:style>
+      </p:cxnSp>
+      <p:cxnSp>
+        <p:nvCxnSpPr>
+          <p:cNvPr id="85" name="Straight Arrow Connector 84"/>
+          <p:cNvCxnSpPr>
+            <a:stCxn id="86" idx="0"/>
+            <a:endCxn id="76" idx="4"/>
+          </p:cNvCxnSpPr>
+          <p:nvPr/>
+        </p:nvCxnSpPr>
+        <p:spPr>
+          <a:xfrm flipV="1">
+            <a:off x="5740416" y="5071606"/>
+            <a:ext cx="0" cy="430771"/>
+          </a:xfrm>
+          <a:prstGeom prst="straightConnector1">
+            <a:avLst/>
+          </a:prstGeom>
+          <a:ln w="76200">
+            <a:solidFill>
+              <a:schemeClr val="tx1"/>
+            </a:solidFill>
+            <a:tailEnd type="triangle"/>
+          </a:ln>
+        </p:spPr>
+        <p:style>
+          <a:lnRef idx="1">
+            <a:schemeClr val="accent1"/>
+          </a:lnRef>
+          <a:fillRef idx="0">
+            <a:schemeClr val="accent1"/>
+          </a:fillRef>
+          <a:effectRef idx="0">
+            <a:schemeClr val="accent1"/>
+          </a:effectRef>
+          <a:fontRef idx="minor">
+            <a:schemeClr val="tx1"/>
+          </a:fontRef>
+        </p:style>
+      </p:cxnSp>
+      <p:sp>
+        <p:nvSpPr>
+          <p:cNvPr id="86" name="Rounded Rectangle 85"/>
+          <p:cNvSpPr/>
+          <p:nvPr/>
+        </p:nvSpPr>
+        <p:spPr>
+          <a:xfrm>
+            <a:off x="4918260" y="5502377"/>
+            <a:ext cx="1644312" cy="694944"/>
+          </a:xfrm>
+          <a:prstGeom prst="roundRect">
+            <a:avLst/>
+          </a:prstGeom>
+          <a:solidFill>
+            <a:schemeClr val="accent6">
+              <a:lumMod val="60000"/>
+              <a:lumOff val="40000"/>
+            </a:schemeClr>
+          </a:solidFill>
+          <a:ln>
+            <a:noFill/>
+          </a:ln>
+        </p:spPr>
+        <p:style>
+          <a:lnRef idx="2">
+            <a:schemeClr val="accent1">
+              <a:shade val="50000"/>
+            </a:schemeClr>
+          </a:lnRef>
+          <a:fillRef idx="1">
+            <a:schemeClr val="accent1"/>
+          </a:fillRef>
+          <a:effectRef idx="0">
+            <a:schemeClr val="accent1"/>
+          </a:effectRef>
+          <a:fontRef idx="minor">
+            <a:schemeClr val="lt1"/>
+          </a:fontRef>
+        </p:style>
+        <p:txBody>
+          <a:bodyPr rtlCol="0" anchor="ctr"/>
+          <a:lstStyle/>
+          <a:p>
+            <a:pPr algn="ctr"/>
+            <a:r>
+              <a:rPr lang="en-US" sz="2000" dirty="0" err="1" smtClean="0">
+                <a:solidFill>
+                  <a:schemeClr val="tx1"/>
+                </a:solidFill>
+              </a:rPr>
+              <a:t>latexBranch</a:t>
+            </a:r>
+            <a:endParaRPr lang="en-US" dirty="0">
+              <a:solidFill>
+                <a:schemeClr val="tx1"/>
+              </a:solidFill>
+            </a:endParaRPr>
+          </a:p>
+        </p:txBody>
+      </p:sp>
+      <p:cxnSp>
+        <p:nvCxnSpPr>
+          <p:cNvPr id="87" name="Straight Arrow Connector 86"/>
+          <p:cNvCxnSpPr>
+            <a:stCxn id="88" idx="2"/>
+            <a:endCxn id="72" idx="0"/>
+          </p:cNvCxnSpPr>
+          <p:nvPr/>
+        </p:nvCxnSpPr>
+        <p:spPr>
+          <a:xfrm>
+            <a:off x="3062354" y="2778568"/>
+            <a:ext cx="1" cy="293453"/>
+          </a:xfrm>
+          <a:prstGeom prst="straightConnector1">
+            <a:avLst/>
+          </a:prstGeom>
+          <a:ln w="76200">
+            <a:solidFill>
+              <a:schemeClr val="tx1"/>
+            </a:solidFill>
+            <a:tailEnd type="triangle"/>
+          </a:ln>
+        </p:spPr>
+        <p:style>
+          <a:lnRef idx="1">
+            <a:schemeClr val="accent1"/>
+          </a:lnRef>
+          <a:fillRef idx="0">
+            <a:schemeClr val="accent1"/>
+          </a:fillRef>
+          <a:effectRef idx="0">
+            <a:schemeClr val="accent1"/>
+          </a:effectRef>
+          <a:fontRef idx="minor">
+            <a:schemeClr val="tx1"/>
+          </a:fontRef>
+        </p:style>
+      </p:cxnSp>
+      <p:sp>
+        <p:nvSpPr>
+          <p:cNvPr id="88" name="Rounded Rectangle 87"/>
+          <p:cNvSpPr/>
+          <p:nvPr/>
+        </p:nvSpPr>
+        <p:spPr>
+          <a:xfrm>
+            <a:off x="2240198" y="2083624"/>
+            <a:ext cx="1644312" cy="694944"/>
+          </a:xfrm>
+          <a:prstGeom prst="roundRect">
+            <a:avLst/>
+          </a:prstGeom>
+          <a:solidFill>
+            <a:schemeClr val="accent6">
+              <a:lumMod val="60000"/>
+              <a:lumOff val="40000"/>
+            </a:schemeClr>
+          </a:solidFill>
+          <a:ln>
+            <a:noFill/>
+          </a:ln>
+        </p:spPr>
+        <p:style>
+          <a:lnRef idx="2">
+            <a:schemeClr val="accent1">
+              <a:shade val="50000"/>
+            </a:schemeClr>
+          </a:lnRef>
+          <a:fillRef idx="1">
+            <a:schemeClr val="accent1"/>
+          </a:fillRef>
+          <a:effectRef idx="0">
+            <a:schemeClr val="accent1"/>
+          </a:effectRef>
+          <a:fontRef idx="minor">
+            <a:schemeClr val="lt1"/>
+          </a:fontRef>
+        </p:style>
+        <p:txBody>
+          <a:bodyPr rtlCol="0" anchor="ctr"/>
+          <a:lstStyle/>
+          <a:p>
+            <a:pPr algn="ctr"/>
+            <a:r>
+              <a:rPr lang="en-US" sz="2000" dirty="0" smtClean="0">
+                <a:solidFill>
+                  <a:schemeClr val="tx1"/>
+                </a:solidFill>
+              </a:rPr>
+              <a:t>master</a:t>
+            </a:r>
+            <a:endParaRPr lang="en-US" dirty="0">
+              <a:solidFill>
+                <a:schemeClr val="tx1"/>
+              </a:solidFill>
+            </a:endParaRPr>
+          </a:p>
+        </p:txBody>
+      </p:sp>
+      <p:cxnSp>
+        <p:nvCxnSpPr>
+          <p:cNvPr id="94" name="Straight Arrow Connector 93"/>
+          <p:cNvCxnSpPr>
+            <a:stCxn id="95" idx="3"/>
+            <a:endCxn id="86" idx="1"/>
+          </p:cNvCxnSpPr>
+          <p:nvPr/>
+        </p:nvCxnSpPr>
+        <p:spPr>
+          <a:xfrm>
+            <a:off x="4067083" y="5849849"/>
+            <a:ext cx="851177" cy="0"/>
+          </a:xfrm>
+          <a:prstGeom prst="straightConnector1">
+            <a:avLst/>
+          </a:prstGeom>
+          <a:ln w="76200">
+            <a:solidFill>
+              <a:schemeClr val="tx1"/>
+            </a:solidFill>
+            <a:tailEnd type="triangle"/>
+          </a:ln>
+        </p:spPr>
+        <p:style>
+          <a:lnRef idx="1">
+            <a:schemeClr val="accent1"/>
+          </a:lnRef>
+          <a:fillRef idx="0">
+            <a:schemeClr val="accent1"/>
+          </a:fillRef>
+          <a:effectRef idx="0">
+            <a:schemeClr val="accent1"/>
+          </a:effectRef>
+          <a:fontRef idx="minor">
+            <a:schemeClr val="tx1"/>
+          </a:fontRef>
+        </p:style>
+      </p:cxnSp>
+      <p:sp>
+        <p:nvSpPr>
+          <p:cNvPr id="95" name="Rounded Rectangle 94"/>
+          <p:cNvSpPr/>
+          <p:nvPr/>
+        </p:nvSpPr>
+        <p:spPr>
+          <a:xfrm>
+            <a:off x="2422771" y="5502377"/>
+            <a:ext cx="1644312" cy="694944"/>
+          </a:xfrm>
+          <a:prstGeom prst="roundRect">
+            <a:avLst/>
+          </a:prstGeom>
+          <a:solidFill>
+            <a:schemeClr val="bg1">
+              <a:lumMod val="75000"/>
+            </a:schemeClr>
+          </a:solidFill>
+          <a:ln>
+            <a:noFill/>
+          </a:ln>
+        </p:spPr>
+        <p:style>
+          <a:lnRef idx="2">
+            <a:schemeClr val="accent1">
+              <a:shade val="50000"/>
+            </a:schemeClr>
+          </a:lnRef>
+          <a:fillRef idx="1">
+            <a:schemeClr val="accent1"/>
+          </a:fillRef>
+          <a:effectRef idx="0">
+            <a:schemeClr val="accent1"/>
+          </a:effectRef>
+          <a:fontRef idx="minor">
+            <a:schemeClr val="lt1"/>
+          </a:fontRef>
+        </p:style>
+        <p:txBody>
+          <a:bodyPr rtlCol="0" anchor="ctr"/>
+          <a:lstStyle/>
+          <a:p>
+            <a:pPr algn="ctr"/>
+            <a:r>
+              <a:rPr lang="en-US" sz="2000" dirty="0" smtClean="0">
+                <a:solidFill>
+                  <a:schemeClr val="tx1"/>
+                </a:solidFill>
+              </a:rPr>
+              <a:t>HEAD</a:t>
+            </a:r>
+            <a:endParaRPr lang="en-US" dirty="0">
+              <a:solidFill>
+                <a:schemeClr val="tx1"/>
+              </a:solidFill>
+            </a:endParaRPr>
+          </a:p>
+        </p:txBody>
+      </p:sp>
+      <p:sp>
+        <p:nvSpPr>
+          <p:cNvPr id="98" name="Rectangle 97"/>
+          <p:cNvSpPr/>
+          <p:nvPr/>
+        </p:nvSpPr>
+        <p:spPr>
+          <a:xfrm>
+            <a:off x="7536622" y="4571486"/>
+            <a:ext cx="1899985" cy="2505970"/>
+          </a:xfrm>
+          <a:prstGeom prst="rect">
+            <a:avLst/>
+          </a:prstGeom>
+          <a:noFill/>
+        </p:spPr>
+        <p:style>
+          <a:lnRef idx="2">
+            <a:schemeClr val="accent1">
+              <a:shade val="50000"/>
+            </a:schemeClr>
+          </a:lnRef>
+          <a:fillRef idx="1">
+            <a:schemeClr val="accent1"/>
+          </a:fillRef>
+          <a:effectRef idx="0">
+            <a:schemeClr val="accent1"/>
+          </a:effectRef>
+          <a:fontRef idx="minor">
+            <a:schemeClr val="lt1"/>
+          </a:fontRef>
+        </p:style>
+        <p:txBody>
+          <a:bodyPr rtlCol="0" anchor="ctr"/>
+          <a:lstStyle/>
+          <a:p>
+            <a:pPr algn="ctr"/>
             <a:endParaRPr lang="en-US"/>
           </a:p>
         </p:txBody>
@@ -28466,7 +29537,7 @@
     </p:spTree>
     <p:extLst>
       <p:ext uri="{BB962C8B-B14F-4D97-AF65-F5344CB8AC3E}">
-        <p14:creationId xmlns:p14="http://schemas.microsoft.com/office/powerpoint/2010/main" val="174626094"/>
+        <p14:creationId xmlns:p14="http://schemas.microsoft.com/office/powerpoint/2010/main" val="1132773700"/>
       </p:ext>
     </p:extLst>
   </p:cSld>
@@ -28562,7 +29633,7 @@
         </p:nvSpPr>
         <p:spPr>
           <a:xfrm>
-            <a:off x="1298448" y="3093331"/>
+            <a:off x="1298448" y="2944043"/>
             <a:ext cx="7399866" cy="2031325"/>
           </a:xfrm>
           <a:prstGeom prst="rect">
@@ -28805,6 +29876,192 @@
       </p:grpSpPr>
       <p:sp>
         <p:nvSpPr>
+          <p:cNvPr id="4" name="TextBox 3"/>
+          <p:cNvSpPr txBox="1"/>
+          <p:nvPr/>
+        </p:nvSpPr>
+        <p:spPr>
+          <a:xfrm>
+            <a:off x="884118" y="709175"/>
+            <a:ext cx="8259882" cy="646331"/>
+          </a:xfrm>
+          <a:prstGeom prst="rect">
+            <a:avLst/>
+          </a:prstGeom>
+          <a:noFill/>
+        </p:spPr>
+        <p:txBody>
+          <a:bodyPr wrap="square" rtlCol="0">
+            <a:spAutoFit/>
+          </a:bodyPr>
+          <a:lstStyle/>
+          <a:p>
+            <a:r>
+              <a:rPr lang="en-US" sz="3600" dirty="0" smtClean="0"/>
+              <a:t>Bringing branches back together: </a:t>
+            </a:r>
+            <a:r>
+              <a:rPr lang="en-US" sz="3600" i="1" dirty="0" err="1" smtClean="0"/>
+              <a:t>git</a:t>
+            </a:r>
+            <a:r>
+              <a:rPr lang="en-US" sz="3600" i="1" dirty="0" smtClean="0"/>
+              <a:t> merge</a:t>
+            </a:r>
+            <a:endParaRPr lang="en-US" sz="3600" dirty="0"/>
+          </a:p>
+        </p:txBody>
+      </p:sp>
+      <p:sp>
+        <p:nvSpPr>
+          <p:cNvPr id="22" name="TextBox 21"/>
+          <p:cNvSpPr txBox="1"/>
+          <p:nvPr/>
+        </p:nvSpPr>
+        <p:spPr>
+          <a:xfrm>
+            <a:off x="1106884" y="2420049"/>
+            <a:ext cx="7882608" cy="954107"/>
+          </a:xfrm>
+          <a:prstGeom prst="rect">
+            <a:avLst/>
+          </a:prstGeom>
+          <a:noFill/>
+        </p:spPr>
+        <p:txBody>
+          <a:bodyPr wrap="square" rtlCol="0">
+            <a:spAutoFit/>
+          </a:bodyPr>
+          <a:lstStyle/>
+          <a:p>
+            <a:r>
+              <a:rPr lang="en-US" sz="2800" i="1" dirty="0" smtClean="0"/>
+              <a:t>Okay, I think it’s time to merge the experimental </a:t>
+            </a:r>
+            <a:r>
+              <a:rPr lang="en-US" sz="2800" i="1" dirty="0" err="1" smtClean="0"/>
+              <a:t>laTeX</a:t>
+            </a:r>
+            <a:r>
+              <a:rPr lang="en-US" sz="2800" i="1" dirty="0" smtClean="0"/>
+              <a:t> branch with the rest of my thesis!</a:t>
+            </a:r>
+          </a:p>
+        </p:txBody>
+      </p:sp>
+      <p:pic>
+        <p:nvPicPr>
+          <p:cNvPr id="6" name="Picture 5"/>
+          <p:cNvPicPr>
+            <a:picLocks noChangeAspect="1"/>
+          </p:cNvPicPr>
+          <p:nvPr/>
+        </p:nvPicPr>
+        <p:blipFill rotWithShape="1">
+          <a:blip r:embed="rId2"/>
+          <a:srcRect t="8762" r="37486"/>
+          <a:stretch/>
+        </p:blipFill>
+        <p:spPr>
+          <a:xfrm>
+            <a:off x="163115" y="4215360"/>
+            <a:ext cx="1887537" cy="2331744"/>
+          </a:xfrm>
+          <a:prstGeom prst="rect">
+            <a:avLst/>
+          </a:prstGeom>
+        </p:spPr>
+      </p:pic>
+      <p:sp>
+        <p:nvSpPr>
+          <p:cNvPr id="2" name="Rounded Rectangular Callout 1"/>
+          <p:cNvSpPr/>
+          <p:nvPr/>
+        </p:nvSpPr>
+        <p:spPr>
+          <a:xfrm>
+            <a:off x="884118" y="1844000"/>
+            <a:ext cx="7912410" cy="2106207"/>
+          </a:xfrm>
+          <a:prstGeom prst="wedgeRoundRectCallout">
+            <a:avLst>
+              <a:gd name="adj1" fmla="val -41635"/>
+              <a:gd name="adj2" fmla="val 110256"/>
+              <a:gd name="adj3" fmla="val 16667"/>
+            </a:avLst>
+          </a:prstGeom>
+          <a:solidFill>
+            <a:schemeClr val="accent1">
+              <a:lumMod val="40000"/>
+              <a:lumOff val="60000"/>
+              <a:alpha val="41000"/>
+            </a:schemeClr>
+          </a:solidFill>
+        </p:spPr>
+        <p:style>
+          <a:lnRef idx="2">
+            <a:schemeClr val="accent1">
+              <a:shade val="50000"/>
+            </a:schemeClr>
+          </a:lnRef>
+          <a:fillRef idx="1">
+            <a:schemeClr val="accent1"/>
+          </a:fillRef>
+          <a:effectRef idx="0">
+            <a:schemeClr val="accent1"/>
+          </a:effectRef>
+          <a:fontRef idx="minor">
+            <a:schemeClr val="lt1"/>
+          </a:fontRef>
+        </p:style>
+        <p:txBody>
+          <a:bodyPr rtlCol="0" anchor="ctr"/>
+          <a:lstStyle/>
+          <a:p>
+            <a:pPr algn="ctr"/>
+            <a:endParaRPr lang="en-US"/>
+          </a:p>
+        </p:txBody>
+      </p:sp>
+    </p:spTree>
+    <p:extLst>
+      <p:ext uri="{BB962C8B-B14F-4D97-AF65-F5344CB8AC3E}">
+        <p14:creationId xmlns:p14="http://schemas.microsoft.com/office/powerpoint/2010/main" val="174626094"/>
+      </p:ext>
+    </p:extLst>
+  </p:cSld>
+  <p:clrMapOvr>
+    <a:masterClrMapping/>
+  </p:clrMapOvr>
+  <p:timing>
+    <p:tnLst>
+      <p:par>
+        <p:cTn id="1" dur="indefinite" restart="never" nodeType="tmRoot"/>
+      </p:par>
+    </p:tnLst>
+  </p:timing>
+</p:sld>
+</file>
+
+<file path=ppt/slides/slide41.xml><?xml version="1.0" encoding="utf-8"?>
+<p:sld xmlns:a="http://schemas.openxmlformats.org/drawingml/2006/main" xmlns:r="http://schemas.openxmlformats.org/officeDocument/2006/relationships" xmlns:p="http://schemas.openxmlformats.org/presentationml/2006/main">
+  <p:cSld>
+    <p:spTree>
+      <p:nvGrpSpPr>
+        <p:cNvPr id="1" name=""/>
+        <p:cNvGrpSpPr/>
+        <p:nvPr/>
+      </p:nvGrpSpPr>
+      <p:grpSpPr>
+        <a:xfrm>
+          <a:off x="0" y="0"/>
+          <a:ext cx="0" cy="0"/>
+          <a:chOff x="0" y="0"/>
+          <a:chExt cx="0" cy="0"/>
+        </a:xfrm>
+      </p:grpSpPr>
+      <p:sp>
+        <p:nvSpPr>
           <p:cNvPr id="27" name="TextBox 26"/>
           <p:cNvSpPr txBox="1"/>
           <p:nvPr/>
@@ -29193,7 +30450,7 @@
 </p:sld>
 </file>
 
-<file path=ppt/slides/slide41.xml><?xml version="1.0" encoding="utf-8"?>
+<file path=ppt/slides/slide42.xml><?xml version="1.0" encoding="utf-8"?>
 <p:sld xmlns:a="http://schemas.openxmlformats.org/drawingml/2006/main" xmlns:r="http://schemas.openxmlformats.org/officeDocument/2006/relationships" xmlns:p="http://schemas.openxmlformats.org/presentationml/2006/main">
   <p:cSld>
     <p:spTree>
@@ -30285,7 +31542,7 @@
 </p:sld>
 </file>
 
-<file path=ppt/slides/slide42.xml><?xml version="1.0" encoding="utf-8"?>
+<file path=ppt/slides/slide43.xml><?xml version="1.0" encoding="utf-8"?>
 <p:sld xmlns:a="http://schemas.openxmlformats.org/drawingml/2006/main" xmlns:r="http://schemas.openxmlformats.org/officeDocument/2006/relationships" xmlns:p="http://schemas.openxmlformats.org/presentationml/2006/main">
   <p:cSld>
     <p:spTree>
@@ -30354,7 +31611,7 @@
         </p:nvSpPr>
         <p:spPr>
           <a:xfrm>
-            <a:off x="512064" y="2150376"/>
+            <a:off x="512064" y="2504938"/>
             <a:ext cx="8503920" cy="3293209"/>
           </a:xfrm>
           <a:prstGeom prst="rect">
@@ -30644,7 +31901,7 @@
 </p:sld>
 </file>
 
-<file path=ppt/slides/slide43.xml><?xml version="1.0" encoding="utf-8"?>
+<file path=ppt/slides/slide44.xml><?xml version="1.0" encoding="utf-8"?>
 <p:sld xmlns:a="http://schemas.openxmlformats.org/drawingml/2006/main" xmlns:r="http://schemas.openxmlformats.org/officeDocument/2006/relationships" xmlns:p="http://schemas.openxmlformats.org/presentationml/2006/main">
   <p:cSld>
     <p:spTree>
@@ -30700,7 +31957,7 @@
         </p:nvSpPr>
         <p:spPr>
           <a:xfrm>
-            <a:off x="1822563" y="2034472"/>
+            <a:off x="1822563" y="2183760"/>
             <a:ext cx="6254976" cy="807699"/>
           </a:xfrm>
           <a:prstGeom prst="rect">
@@ -30780,7 +32037,7 @@
         </p:nvSpPr>
         <p:spPr>
           <a:xfrm>
-            <a:off x="1822563" y="2930563"/>
+            <a:off x="1822563" y="3079851"/>
             <a:ext cx="6035520" cy="1292662"/>
           </a:xfrm>
           <a:prstGeom prst="rect">
